--- a/source/lessons/lsn29/Lsn29.pptx
+++ b/source/lessons/lsn29/Lsn29.pptx
@@ -1700,7 +1700,7 @@
           <a:p>
             <a:fld id="{834513E8-165F-4932-9E2D-FD497CB9A4FD}" type="datetimeFigureOut">
               <a:rPr lang="en-US" smtClean="0"/>
-              <a:t>7/9/2018</a:t>
+              <a:t>7/10/2018</a:t>
             </a:fld>
             <a:endParaRPr lang="en-US"/>
           </a:p>
@@ -1795,7 +1795,7 @@
           <a:p>
             <a:fld id="{834513E8-165F-4932-9E2D-FD497CB9A4FD}" type="datetimeFigureOut">
               <a:rPr lang="en-US" smtClean="0"/>
-              <a:t>7/9/2018</a:t>
+              <a:t>7/10/2018</a:t>
             </a:fld>
             <a:endParaRPr lang="en-US"/>
           </a:p>
@@ -2072,7 +2072,7 @@
           <a:p>
             <a:fld id="{834513E8-165F-4932-9E2D-FD497CB9A4FD}" type="datetimeFigureOut">
               <a:rPr lang="en-US" smtClean="0"/>
-              <a:t>7/9/2018</a:t>
+              <a:t>7/10/2018</a:t>
             </a:fld>
             <a:endParaRPr lang="en-US"/>
           </a:p>
@@ -2325,7 +2325,7 @@
           <a:p>
             <a:fld id="{834513E8-165F-4932-9E2D-FD497CB9A4FD}" type="datetimeFigureOut">
               <a:rPr lang="en-US" smtClean="0"/>
-              <a:t>7/9/2018</a:t>
+              <a:t>7/10/2018</a:t>
             </a:fld>
             <a:endParaRPr lang="en-US"/>
           </a:p>
@@ -2495,7 +2495,7 @@
           <a:p>
             <a:fld id="{834513E8-165F-4932-9E2D-FD497CB9A4FD}" type="datetimeFigureOut">
               <a:rPr lang="en-US" smtClean="0"/>
-              <a:t>7/9/2018</a:t>
+              <a:t>7/10/2018</a:t>
             </a:fld>
             <a:endParaRPr lang="en-US"/>
           </a:p>
@@ -2675,7 +2675,7 @@
           <a:p>
             <a:fld id="{834513E8-165F-4932-9E2D-FD497CB9A4FD}" type="datetimeFigureOut">
               <a:rPr lang="en-US" smtClean="0"/>
-              <a:t>7/9/2018</a:t>
+              <a:t>7/10/2018</a:t>
             </a:fld>
             <a:endParaRPr lang="en-US"/>
           </a:p>
@@ -3518,7 +3518,7 @@
           <a:p>
             <a:fld id="{834513E8-165F-4932-9E2D-FD497CB9A4FD}" type="datetimeFigureOut">
               <a:rPr lang="en-US" smtClean="0"/>
-              <a:t>7/9/2018</a:t>
+              <a:t>7/10/2018</a:t>
             </a:fld>
             <a:endParaRPr lang="en-US"/>
           </a:p>
@@ -3688,7 +3688,7 @@
           <a:p>
             <a:fld id="{834513E8-165F-4932-9E2D-FD497CB9A4FD}" type="datetimeFigureOut">
               <a:rPr lang="en-US" smtClean="0"/>
-              <a:t>7/9/2018</a:t>
+              <a:t>7/10/2018</a:t>
             </a:fld>
             <a:endParaRPr lang="en-US"/>
           </a:p>
@@ -3934,7 +3934,7 @@
           <a:p>
             <a:fld id="{834513E8-165F-4932-9E2D-FD497CB9A4FD}" type="datetimeFigureOut">
               <a:rPr lang="en-US" smtClean="0"/>
-              <a:t>7/9/2018</a:t>
+              <a:t>7/10/2018</a:t>
             </a:fld>
             <a:endParaRPr lang="en-US"/>
           </a:p>
@@ -4166,7 +4166,7 @@
           <a:p>
             <a:fld id="{834513E8-165F-4932-9E2D-FD497CB9A4FD}" type="datetimeFigureOut">
               <a:rPr lang="en-US" smtClean="0"/>
-              <a:t>7/9/2018</a:t>
+              <a:t>7/10/2018</a:t>
             </a:fld>
             <a:endParaRPr lang="en-US"/>
           </a:p>
@@ -4533,7 +4533,7 @@
           <a:p>
             <a:fld id="{834513E8-165F-4932-9E2D-FD497CB9A4FD}" type="datetimeFigureOut">
               <a:rPr lang="en-US" smtClean="0"/>
-              <a:t>7/9/2018</a:t>
+              <a:t>7/10/2018</a:t>
             </a:fld>
             <a:endParaRPr lang="en-US"/>
           </a:p>
@@ -6350,7 +6350,7 @@
           <a:p>
             <a:fld id="{834513E8-165F-4932-9E2D-FD497CB9A4FD}" type="datetimeFigureOut">
               <a:rPr lang="en-US" smtClean="0"/>
-              <a:t>7/9/2018</a:t>
+              <a:t>7/10/2018</a:t>
             </a:fld>
             <a:endParaRPr lang="en-US"/>
           </a:p>
@@ -6985,14 +6985,7 @@
                 <a:effectLst/>
                 <a:latin typeface="Trebuchet MS" panose="020B0603020202020204" pitchFamily="34" charset="0"/>
               </a:rPr>
-              <a:t>Lesson </a:t>
-            </a:r>
-            <a:r>
-              <a:rPr lang="en-US" kern="0" smtClean="0">
-                <a:effectLst/>
-                <a:latin typeface="Trebuchet MS" panose="020B0603020202020204" pitchFamily="34" charset="0"/>
-              </a:rPr>
-              <a:t>29+30</a:t>
+              <a:t>Lesson 29+30</a:t>
             </a:r>
             <a:endParaRPr lang="en-US" kern="0" dirty="0">
               <a:effectLst/>
@@ -9570,40 +9563,6 @@
       </p:pic>
       <p:sp>
         <p:nvSpPr>
-          <p:cNvPr id="5" name="TextBox 4"/>
-          <p:cNvSpPr txBox="1"/>
-          <p:nvPr/>
-        </p:nvSpPr>
-        <p:spPr>
-          <a:xfrm>
-            <a:off x="142876" y="533400"/>
-            <a:ext cx="3048000" cy="400110"/>
-          </a:xfrm>
-          <a:prstGeom prst="rect">
-            <a:avLst/>
-          </a:prstGeom>
-          <a:noFill/>
-        </p:spPr>
-        <p:txBody>
-          <a:bodyPr wrap="square" rtlCol="0">
-            <a:spAutoFit/>
-          </a:bodyPr>
-          <a:lstStyle/>
-          <a:p>
-            <a:pPr algn="ctr"/>
-            <a:r>
-              <a:rPr lang="en-US" sz="2000" dirty="0"/>
-              <a:t>pp 11 of Device </a:t>
-            </a:r>
-            <a:r>
-              <a:rPr lang="en-US" sz="2000" dirty="0" smtClean="0"/>
-              <a:t>Specific</a:t>
-            </a:r>
-          </a:p>
-        </p:txBody>
-      </p:sp>
-      <p:sp>
-        <p:nvSpPr>
           <p:cNvPr id="6" name="Rounded Rectangle 5"/>
           <p:cNvSpPr/>
           <p:nvPr/>
@@ -9617,7 +9576,7 @@
             <a:avLst/>
           </a:prstGeom>
           <a:solidFill>
-            <a:schemeClr val="accent1"/>
+            <a:srgbClr val="FF0000"/>
           </a:solidFill>
           <a:ln w="9525" cap="flat" cmpd="sng" algn="ctr">
             <a:noFill/>
@@ -12626,15 +12585,186 @@
             </a:r>
           </a:p>
           <a:p>
-            <a:pPr lvl="1"/>
-            <a:r>
-              <a:rPr lang="en-US" dirty="0"/>
-              <a:t>Pulse Width Modulation (PWM)</a:t>
-            </a:r>
-          </a:p>
-          <a:p>
-            <a:pPr lvl="1"/>
-            <a:endParaRPr lang="en-US" sz="2000" dirty="0" smtClean="0"/>
+            <a:pPr lvl="2"/>
+            <a:r>
+              <a:rPr lang="en-US" sz="1800" dirty="0" err="1" smtClean="0"/>
+              <a:t>Timer_A</a:t>
+            </a:r>
+            <a:r>
+              <a:rPr lang="en-US" sz="1800" dirty="0" smtClean="0"/>
+              <a:t> and </a:t>
+            </a:r>
+            <a:r>
+              <a:rPr lang="en-US" sz="1800" dirty="0" err="1" smtClean="0"/>
+              <a:t>Timer_B</a:t>
+            </a:r>
+            <a:r>
+              <a:rPr lang="en-US" sz="1800" dirty="0" smtClean="0"/>
+              <a:t> are input/output ports that can be used to capture external signal events and generate signals for external devices</a:t>
+            </a:r>
+            <a:endParaRPr lang="en-US" sz="1800" dirty="0" smtClean="0"/>
+          </a:p>
+        </p:txBody>
+      </p:sp>
+      <p:pic>
+        <p:nvPicPr>
+          <p:cNvPr id="4" name="Picture 2" descr="Image result for pwm signal motor controller"/>
+          <p:cNvPicPr>
+            <a:picLocks noChangeAspect="1" noChangeArrowheads="1"/>
+          </p:cNvPicPr>
+          <p:nvPr/>
+        </p:nvPicPr>
+        <p:blipFill rotWithShape="1">
+          <a:blip r:embed="rId2">
+            <a:extLst>
+              <a:ext uri="{28A0092B-C50C-407E-A947-70E740481C1C}">
+                <a14:useLocalDpi xmlns:a14="http://schemas.microsoft.com/office/drawing/2010/main" val="0"/>
+              </a:ext>
+            </a:extLst>
+          </a:blip>
+          <a:srcRect t="9371" b="20956"/>
+          <a:stretch/>
+        </p:blipFill>
+        <p:spPr bwMode="auto">
+          <a:xfrm>
+            <a:off x="2458172" y="3294993"/>
+            <a:ext cx="6076950" cy="3105807"/>
+          </a:xfrm>
+          <a:prstGeom prst="rect">
+            <a:avLst/>
+          </a:prstGeom>
+          <a:noFill/>
+          <a:extLst>
+            <a:ext uri="{909E8E84-426E-40DD-AFC4-6F175D3DCCD1}">
+              <a14:hiddenFill xmlns:a14="http://schemas.microsoft.com/office/drawing/2010/main">
+                <a:solidFill>
+                  <a:srgbClr val="FFFFFF"/>
+                </a:solidFill>
+              </a14:hiddenFill>
+            </a:ext>
+          </a:extLst>
+        </p:spPr>
+      </p:pic>
+      <p:sp>
+        <p:nvSpPr>
+          <p:cNvPr id="5" name="TextBox 4"/>
+          <p:cNvSpPr txBox="1"/>
+          <p:nvPr/>
+        </p:nvSpPr>
+        <p:spPr>
+          <a:xfrm>
+            <a:off x="4477393" y="3112113"/>
+            <a:ext cx="1510350" cy="461665"/>
+          </a:xfrm>
+          <a:prstGeom prst="rect">
+            <a:avLst/>
+          </a:prstGeom>
+          <a:noFill/>
+        </p:spPr>
+        <p:txBody>
+          <a:bodyPr wrap="none" rtlCol="0">
+            <a:spAutoFit/>
+          </a:bodyPr>
+          <a:lstStyle/>
+          <a:p>
+            <a:r>
+              <a:rPr lang="en-US" dirty="0" smtClean="0"/>
+              <a:t>RC Servos</a:t>
+            </a:r>
+            <a:endParaRPr lang="en-US" dirty="0"/>
+          </a:p>
+        </p:txBody>
+      </p:sp>
+      <p:sp>
+        <p:nvSpPr>
+          <p:cNvPr id="6" name="Left Brace 5"/>
+          <p:cNvSpPr/>
+          <p:nvPr/>
+        </p:nvSpPr>
+        <p:spPr bwMode="auto">
+          <a:xfrm>
+            <a:off x="1767134" y="3765698"/>
+            <a:ext cx="599090" cy="2349062"/>
+          </a:xfrm>
+          <a:prstGeom prst="leftBrace">
+            <a:avLst/>
+          </a:prstGeom>
+          <a:noFill/>
+          <a:ln w="12700" cap="flat" cmpd="sng" algn="ctr">
+            <a:solidFill>
+              <a:schemeClr val="tx1"/>
+            </a:solidFill>
+            <a:prstDash val="solid"/>
+            <a:round/>
+            <a:headEnd type="none" w="med" len="med"/>
+            <a:tailEnd type="none" w="med" len="med"/>
+          </a:ln>
+          <a:effectLst/>
+        </p:spPr>
+        <p:txBody>
+          <a:bodyPr vert="horz" wrap="square" lIns="91440" tIns="45720" rIns="91440" bIns="45720" numCol="1" rtlCol="0" anchor="t" anchorCtr="0" compatLnSpc="1">
+            <a:prstTxWarp prst="textNoShape">
+              <a:avLst/>
+            </a:prstTxWarp>
+          </a:bodyPr>
+          <a:lstStyle/>
+          <a:p>
+            <a:pPr marL="0" marR="0" indent="0" algn="ctr" defTabSz="914400" rtl="0" eaLnBrk="0" fontAlgn="base" latinLnBrk="0" hangingPunct="0">
+              <a:lnSpc>
+                <a:spcPct val="100000"/>
+              </a:lnSpc>
+              <a:spcBef>
+                <a:spcPct val="0"/>
+              </a:spcBef>
+              <a:spcAft>
+                <a:spcPct val="0"/>
+              </a:spcAft>
+              <a:buClrTx/>
+              <a:buSzTx/>
+              <a:buFontTx/>
+              <a:buNone/>
+              <a:tabLst/>
+            </a:pPr>
+            <a:endParaRPr kumimoji="0" lang="en-US" sz="1600" b="0" i="0" u="none" strike="noStrike" cap="none" normalizeH="0" baseline="0" smtClean="0">
+              <a:ln>
+                <a:noFill/>
+              </a:ln>
+              <a:solidFill>
+                <a:schemeClr val="tx1"/>
+              </a:solidFill>
+              <a:effectLst/>
+              <a:latin typeface="Arial" charset="0"/>
+            </a:endParaRPr>
+          </a:p>
+        </p:txBody>
+      </p:sp>
+      <p:sp>
+        <p:nvSpPr>
+          <p:cNvPr id="7" name="TextBox 6"/>
+          <p:cNvSpPr txBox="1"/>
+          <p:nvPr/>
+        </p:nvSpPr>
+        <p:spPr>
+          <a:xfrm>
+            <a:off x="103035" y="4478564"/>
+            <a:ext cx="1725765" cy="923330"/>
+          </a:xfrm>
+          <a:prstGeom prst="rect">
+            <a:avLst/>
+          </a:prstGeom>
+          <a:noFill/>
+        </p:spPr>
+        <p:txBody>
+          <a:bodyPr wrap="square" rtlCol="0">
+            <a:spAutoFit/>
+          </a:bodyPr>
+          <a:lstStyle/>
+          <a:p>
+            <a:r>
+              <a:rPr lang="en-US" sz="1800" dirty="0" smtClean="0"/>
+              <a:t>Using the timer, we can generate this signal easily</a:t>
+            </a:r>
+            <a:endParaRPr lang="en-US" sz="1800" dirty="0"/>
           </a:p>
         </p:txBody>
       </p:sp>
@@ -17512,7 +17642,7 @@
                 <a:ea typeface="Times New Roman"/>
                 <a:cs typeface="Times New Roman"/>
               </a:rPr>
-              <a:t>3</a:t>
+              <a:t>Do </a:t>
             </a:r>
             <a:r>
               <a:rPr lang="en-US" sz="2400" dirty="0">
@@ -17523,7 +17653,7 @@
                 <a:ea typeface="Times New Roman"/>
                 <a:cs typeface="Times New Roman"/>
               </a:rPr>
-              <a:t>.	Do the previous problem, except with ID_1</a:t>
+              <a:t>the previous problem, except with ID_1</a:t>
             </a:r>
             <a:r>
               <a:rPr lang="en-US" sz="2400" dirty="0" smtClean="0">
@@ -18143,12 +18273,14 @@
         </p:nvSpPr>
         <p:spPr>
           <a:xfrm>
-            <a:off x="348338" y="847679"/>
-            <a:ext cx="8509911" cy="5747330"/>
+            <a:off x="359769" y="1551081"/>
+            <a:ext cx="8509911" cy="2384252"/>
           </a:xfrm>
         </p:spPr>
         <p:txBody>
-          <a:bodyPr/>
+          <a:bodyPr>
+            <a:normAutofit fontScale="85000" lnSpcReduction="10000"/>
+          </a:bodyPr>
           <a:lstStyle/>
           <a:p>
             <a:pPr marL="0" indent="0">
@@ -18196,8 +18328,10 @@
             </a:r>
           </a:p>
           <a:p>
-            <a:pPr marL="0" indent="0">
-              <a:buNone/>
+            <a:pPr>
+              <a:lnSpc>
+                <a:spcPct val="120000"/>
+              </a:lnSpc>
             </a:pPr>
             <a:endParaRPr lang="en-US" sz="2000" b="1" dirty="0" smtClean="0">
               <a:solidFill>
@@ -18206,9 +18340,9 @@
             </a:endParaRPr>
           </a:p>
           <a:p>
-            <a:pPr marL="457200" lvl="0" indent="-457200">
+            <a:pPr>
               <a:lnSpc>
-                <a:spcPts val="1500"/>
+                <a:spcPct val="120000"/>
               </a:lnSpc>
               <a:spcBef>
                 <a:spcPts val="0"/>
@@ -18216,7 +18350,6 @@
               <a:spcAft>
                 <a:spcPts val="1000"/>
               </a:spcAft>
-              <a:buAutoNum type="arabicPeriod" startAt="2"/>
               <a:tabLst>
                 <a:tab pos="285750" algn="l"/>
               </a:tabLst>
@@ -18252,27 +18385,10 @@
                 <a:ea typeface="Times New Roman"/>
                 <a:cs typeface="Times New Roman"/>
               </a:rPr>
-              <a:t>MC_1</a:t>
-            </a:r>
-          </a:p>
-          <a:p>
-            <a:pPr marL="0" lvl="0" indent="0">
-              <a:lnSpc>
-                <a:spcPts val="1500"/>
-              </a:lnSpc>
-              <a:spcBef>
-                <a:spcPts val="0"/>
-              </a:spcBef>
-              <a:spcAft>
-                <a:spcPts val="1000"/>
-              </a:spcAft>
-              <a:buNone/>
-              <a:tabLst>
-                <a:tab pos="285750" algn="l"/>
-              </a:tabLst>
-            </a:pPr>
-            <a:r>
-              <a:rPr lang="en-US" sz="2400" dirty="0" smtClean="0">
+              <a:t>MC_1 and </a:t>
+            </a:r>
+            <a:r>
+              <a:rPr lang="en-US" sz="2400" dirty="0">
                 <a:solidFill>
                   <a:schemeClr val="accent2"/>
                 </a:solidFill>
@@ -18280,10 +18396,10 @@
                 <a:ea typeface="Times New Roman"/>
                 <a:cs typeface="Times New Roman"/>
               </a:rPr>
-              <a:t> </a:t>
-            </a:r>
-            <a:r>
-              <a:rPr lang="en-US" sz="2400" dirty="0">
+              <a:t>TACCR0=2^16-1, how long will it take to roll over TAR</a:t>
+            </a:r>
+            <a:r>
+              <a:rPr lang="en-US" sz="2400" dirty="0" smtClean="0">
                 <a:solidFill>
                   <a:schemeClr val="accent2"/>
                 </a:solidFill>
@@ -18291,36 +18407,8 @@
                 <a:ea typeface="Times New Roman"/>
                 <a:cs typeface="Times New Roman"/>
               </a:rPr>
-              <a:t>and TACCR0=2^16-1, how long will it take to roll over TAR</a:t>
-            </a:r>
-            <a:r>
-              <a:rPr lang="en-US" sz="2400" dirty="0" smtClean="0">
-                <a:solidFill>
-                  <a:schemeClr val="accent2"/>
-                </a:solidFill>
-                <a:latin typeface="Helvetica"/>
-                <a:ea typeface="Times New Roman"/>
-                <a:cs typeface="Times New Roman"/>
-              </a:rPr>
               <a:t>?</a:t>
             </a:r>
-          </a:p>
-          <a:p>
-            <a:pPr marL="0" lvl="0" indent="0">
-              <a:lnSpc>
-                <a:spcPts val="1500"/>
-              </a:lnSpc>
-              <a:spcBef>
-                <a:spcPts val="0"/>
-              </a:spcBef>
-              <a:spcAft>
-                <a:spcPts val="1000"/>
-              </a:spcAft>
-              <a:buNone/>
-              <a:tabLst>
-                <a:tab pos="285750" algn="l"/>
-              </a:tabLst>
-            </a:pPr>
             <a:endParaRPr lang="en-US" sz="2400" dirty="0">
               <a:solidFill>
                 <a:schemeClr val="accent2"/>
@@ -18331,9 +18419,9 @@
             </a:endParaRPr>
           </a:p>
           <a:p>
-            <a:pPr marL="0" lvl="0" indent="0">
+            <a:pPr>
               <a:lnSpc>
-                <a:spcPts val="1500"/>
+                <a:spcPct val="120000"/>
               </a:lnSpc>
               <a:spcBef>
                 <a:spcPts val="0"/>
@@ -18341,7 +18429,6 @@
               <a:spcAft>
                 <a:spcPts val="1000"/>
               </a:spcAft>
-              <a:buNone/>
               <a:tabLst>
                 <a:tab pos="285750" algn="l"/>
               </a:tabLst>
@@ -18355,7 +18442,7 @@
                 <a:ea typeface="Times New Roman"/>
                 <a:cs typeface="Times New Roman"/>
               </a:rPr>
-              <a:t>4.</a:t>
+              <a:t>Do </a:t>
             </a:r>
             <a:r>
               <a:rPr lang="en-US" sz="2400" dirty="0">
@@ -18366,7 +18453,7 @@
                 <a:ea typeface="Times New Roman"/>
                 <a:cs typeface="Times New Roman"/>
               </a:rPr>
-              <a:t>	Do the previous problem, except with </a:t>
+              <a:t>the previous problem, except with </a:t>
             </a:r>
             <a:r>
               <a:rPr lang="en-US" sz="2400" dirty="0" smtClean="0">
@@ -18400,14 +18487,6 @@
               <a:latin typeface="Calibri"/>
               <a:ea typeface="Calibri"/>
               <a:cs typeface="Times New Roman"/>
-            </a:endParaRPr>
-          </a:p>
-          <a:p>
-            <a:pPr lvl="1"/>
-            <a:endParaRPr lang="en-US" sz="1600" dirty="0" smtClean="0">
-              <a:solidFill>
-                <a:schemeClr val="accent2"/>
-              </a:solidFill>
             </a:endParaRPr>
           </a:p>
         </p:txBody>
@@ -18433,7 +18512,7 @@
         </p:blipFill>
         <p:spPr bwMode="auto">
           <a:xfrm>
-            <a:off x="1495426" y="5065136"/>
+            <a:off x="1526957" y="4694646"/>
             <a:ext cx="6134068" cy="1553655"/>
           </a:xfrm>
           <a:prstGeom prst="rect">
@@ -18472,7 +18551,7 @@
         </p:nvGrpSpPr>
         <p:grpSpPr>
           <a:xfrm>
-            <a:off x="2626518" y="5930761"/>
+            <a:off x="2658049" y="5560271"/>
             <a:ext cx="728664" cy="918864"/>
             <a:chOff x="2626518" y="1504950"/>
             <a:chExt cx="728664" cy="918864"/>
@@ -18554,7 +18633,7 @@
         </p:nvGrpSpPr>
         <p:grpSpPr>
           <a:xfrm>
-            <a:off x="3407568" y="5930761"/>
+            <a:off x="3439099" y="5560271"/>
             <a:ext cx="728664" cy="918864"/>
             <a:chOff x="2626518" y="1504950"/>
             <a:chExt cx="728664" cy="918864"/>
@@ -18700,12 +18779,14 @@
         </p:nvSpPr>
         <p:spPr>
           <a:xfrm>
-            <a:off x="348338" y="847679"/>
-            <a:ext cx="8509911" cy="5747330"/>
+            <a:off x="348338" y="1552904"/>
+            <a:ext cx="8509911" cy="2987566"/>
           </a:xfrm>
         </p:spPr>
         <p:txBody>
-          <a:bodyPr/>
+          <a:bodyPr>
+            <a:normAutofit fontScale="85000" lnSpcReduction="10000"/>
+          </a:bodyPr>
           <a:lstStyle/>
           <a:p>
             <a:pPr marL="0" indent="0">
@@ -18753,9 +18834,6 @@
             </a:r>
           </a:p>
           <a:p>
-            <a:pPr marL="0" indent="0">
-              <a:buNone/>
-            </a:pPr>
             <a:endParaRPr lang="en-US" sz="2000" b="1" dirty="0" smtClean="0">
               <a:solidFill>
                 <a:schemeClr val="accent2"/>
@@ -18763,17 +18841,13 @@
             </a:endParaRPr>
           </a:p>
           <a:p>
-            <a:pPr marL="457200" lvl="0" indent="-457200">
-              <a:lnSpc>
-                <a:spcPts val="1500"/>
-              </a:lnSpc>
+            <a:pPr>
               <a:spcBef>
                 <a:spcPts val="0"/>
               </a:spcBef>
               <a:spcAft>
                 <a:spcPts val="1000"/>
               </a:spcAft>
-              <a:buAutoNum type="arabicPeriod" startAt="2"/>
               <a:tabLst>
                 <a:tab pos="285750" algn="l"/>
               </a:tabLst>
@@ -18809,27 +18883,10 @@
                 <a:ea typeface="Times New Roman"/>
                 <a:cs typeface="Times New Roman"/>
               </a:rPr>
-              <a:t>MC_1</a:t>
-            </a:r>
-          </a:p>
-          <a:p>
-            <a:pPr marL="0" lvl="0" indent="0">
-              <a:lnSpc>
-                <a:spcPts val="1500"/>
-              </a:lnSpc>
-              <a:spcBef>
-                <a:spcPts val="0"/>
-              </a:spcBef>
-              <a:spcAft>
-                <a:spcPts val="1000"/>
-              </a:spcAft>
-              <a:buNone/>
-              <a:tabLst>
-                <a:tab pos="285750" algn="l"/>
-              </a:tabLst>
-            </a:pPr>
-            <a:r>
-              <a:rPr lang="en-US" sz="2400" dirty="0" smtClean="0">
+              <a:t>MC_1 </a:t>
+            </a:r>
+            <a:r>
+              <a:rPr lang="en-US" sz="2400" dirty="0">
                 <a:solidFill>
                   <a:schemeClr val="accent2"/>
                 </a:solidFill>
@@ -18837,10 +18894,10 @@
                 <a:ea typeface="Times New Roman"/>
                 <a:cs typeface="Times New Roman"/>
               </a:rPr>
-              <a:t> </a:t>
-            </a:r>
-            <a:r>
-              <a:rPr lang="en-US" sz="2400" dirty="0">
+              <a:t>and TACCR0=2^16-1, how long will it take to roll over TAR</a:t>
+            </a:r>
+            <a:r>
+              <a:rPr lang="en-US" sz="2400" dirty="0" smtClean="0">
                 <a:solidFill>
                   <a:schemeClr val="accent2"/>
                 </a:solidFill>
@@ -18848,36 +18905,8 @@
                 <a:ea typeface="Times New Roman"/>
                 <a:cs typeface="Times New Roman"/>
               </a:rPr>
-              <a:t>and TACCR0=2^16-1, how long will it take to roll over TAR</a:t>
-            </a:r>
-            <a:r>
-              <a:rPr lang="en-US" sz="2400" dirty="0" smtClean="0">
-                <a:solidFill>
-                  <a:schemeClr val="accent2"/>
-                </a:solidFill>
-                <a:latin typeface="Helvetica"/>
-                <a:ea typeface="Times New Roman"/>
-                <a:cs typeface="Times New Roman"/>
-              </a:rPr>
               <a:t>?</a:t>
             </a:r>
-          </a:p>
-          <a:p>
-            <a:pPr marL="0" lvl="0" indent="0">
-              <a:lnSpc>
-                <a:spcPts val="1500"/>
-              </a:lnSpc>
-              <a:spcBef>
-                <a:spcPts val="0"/>
-              </a:spcBef>
-              <a:spcAft>
-                <a:spcPts val="1000"/>
-              </a:spcAft>
-              <a:buNone/>
-              <a:tabLst>
-                <a:tab pos="285750" algn="l"/>
-              </a:tabLst>
-            </a:pPr>
             <a:endParaRPr lang="en-US" sz="2400" dirty="0">
               <a:solidFill>
                 <a:schemeClr val="accent2"/>
@@ -18888,17 +18917,13 @@
             </a:endParaRPr>
           </a:p>
           <a:p>
-            <a:pPr marL="0" lvl="0" indent="0">
-              <a:lnSpc>
-                <a:spcPts val="1500"/>
-              </a:lnSpc>
+            <a:pPr>
               <a:spcBef>
                 <a:spcPts val="0"/>
               </a:spcBef>
               <a:spcAft>
                 <a:spcPts val="1000"/>
               </a:spcAft>
-              <a:buNone/>
               <a:tabLst>
                 <a:tab pos="285750" algn="l"/>
               </a:tabLst>
@@ -18912,7 +18937,7 @@
                 <a:ea typeface="Times New Roman"/>
                 <a:cs typeface="Times New Roman"/>
               </a:rPr>
-              <a:t>4.</a:t>
+              <a:t>Do </a:t>
             </a:r>
             <a:r>
               <a:rPr lang="en-US" sz="2400" dirty="0">
@@ -18923,7 +18948,7 @@
                 <a:ea typeface="Times New Roman"/>
                 <a:cs typeface="Times New Roman"/>
               </a:rPr>
-              <a:t>	Do the previous problem, except with </a:t>
+              <a:t>the previous problem, except with </a:t>
             </a:r>
             <a:r>
               <a:rPr lang="en-US" sz="2400" dirty="0" smtClean="0">
@@ -18934,28 +18959,25 @@
                 <a:ea typeface="Times New Roman"/>
                 <a:cs typeface="Times New Roman"/>
               </a:rPr>
-              <a:t>ID_2.</a:t>
-            </a:r>
-          </a:p>
-          <a:p>
-            <a:pPr marL="0" lvl="0" indent="0">
-              <a:lnSpc>
-                <a:spcPts val="1500"/>
-              </a:lnSpc>
-              <a:spcBef>
-                <a:spcPts val="0"/>
-              </a:spcBef>
-              <a:spcAft>
-                <a:spcPts val="1000"/>
-              </a:spcAft>
-              <a:buNone/>
-              <a:tabLst>
-                <a:tab pos="285750" algn="l"/>
-              </a:tabLst>
-            </a:pPr>
-            <a:endParaRPr lang="en-US" sz="2800" dirty="0" smtClean="0">
-              <a:latin typeface="Calibri"/>
-              <a:ea typeface="Calibri"/>
+              <a:t>ID_2</a:t>
+            </a:r>
+            <a:r>
+              <a:rPr lang="en-US" sz="2400" dirty="0" smtClean="0">
+                <a:solidFill>
+                  <a:schemeClr val="accent2"/>
+                </a:solidFill>
+                <a:latin typeface="Helvetica"/>
+                <a:ea typeface="Times New Roman"/>
+                <a:cs typeface="Times New Roman"/>
+              </a:rPr>
+              <a:t>.</a:t>
+            </a:r>
+            <a:endParaRPr lang="en-US" sz="1600" dirty="0" smtClean="0">
+              <a:solidFill>
+                <a:srgbClr val="333333"/>
+              </a:solidFill>
+              <a:latin typeface="Consolas"/>
+              <a:ea typeface="Times New Roman"/>
               <a:cs typeface="Times New Roman"/>
             </a:endParaRPr>
           </a:p>
@@ -18990,7 +19012,106 @@
                 <a:tab pos="9306560" algn="l"/>
               </a:tabLst>
             </a:pPr>
-            <a:endParaRPr lang="en-US" sz="1600" dirty="0" smtClean="0">
+            <a:r>
+              <a:rPr lang="en-US" sz="1600" dirty="0">
+                <a:solidFill>
+                  <a:srgbClr val="333333"/>
+                </a:solidFill>
+                <a:latin typeface="Consolas"/>
+                <a:ea typeface="Times New Roman"/>
+                <a:cs typeface="Times New Roman"/>
+              </a:rPr>
+              <a:t> 1 </a:t>
+            </a:r>
+            <a:r>
+              <a:rPr lang="en-US" sz="1600" dirty="0" err="1" smtClean="0">
+                <a:solidFill>
+                  <a:srgbClr val="333333"/>
+                </a:solidFill>
+                <a:latin typeface="Consolas"/>
+                <a:ea typeface="Times New Roman"/>
+                <a:cs typeface="Times New Roman"/>
+              </a:rPr>
+              <a:t>usec</a:t>
+            </a:r>
+            <a:r>
+              <a:rPr lang="en-US" sz="1600" dirty="0" smtClean="0">
+                <a:solidFill>
+                  <a:srgbClr val="333333"/>
+                </a:solidFill>
+                <a:latin typeface="Consolas"/>
+                <a:ea typeface="Times New Roman"/>
+                <a:cs typeface="Times New Roman"/>
+              </a:rPr>
+              <a:t>          4 </a:t>
+            </a:r>
+            <a:r>
+              <a:rPr lang="en-US" sz="1600" dirty="0" err="1">
+                <a:solidFill>
+                  <a:srgbClr val="333333"/>
+                </a:solidFill>
+                <a:latin typeface="Consolas"/>
+                <a:ea typeface="Times New Roman"/>
+                <a:cs typeface="Times New Roman"/>
+              </a:rPr>
+              <a:t>clks</a:t>
+            </a:r>
+            <a:r>
+              <a:rPr lang="en-US" sz="1600" dirty="0">
+                <a:solidFill>
+                  <a:srgbClr val="333333"/>
+                </a:solidFill>
+                <a:latin typeface="Consolas"/>
+                <a:ea typeface="Times New Roman"/>
+                <a:cs typeface="Times New Roman"/>
+              </a:rPr>
+              <a:t> </a:t>
+            </a:r>
+            <a:r>
+              <a:rPr lang="en-US" sz="1600" dirty="0" smtClean="0">
+                <a:solidFill>
+                  <a:srgbClr val="333333"/>
+                </a:solidFill>
+                <a:latin typeface="Consolas"/>
+                <a:ea typeface="Times New Roman"/>
+                <a:cs typeface="Times New Roman"/>
+              </a:rPr>
+              <a:t>    2^</a:t>
+            </a:r>
+            <a:r>
+              <a:rPr lang="en-US" sz="1600" baseline="30000" dirty="0" smtClean="0">
+                <a:solidFill>
+                  <a:srgbClr val="333333"/>
+                </a:solidFill>
+                <a:latin typeface="Consolas"/>
+                <a:ea typeface="Times New Roman"/>
+                <a:cs typeface="Times New Roman"/>
+              </a:rPr>
+              <a:t>16</a:t>
+            </a:r>
+            <a:r>
+              <a:rPr lang="en-US" sz="1600" dirty="0" smtClean="0">
+                <a:solidFill>
+                  <a:srgbClr val="333333"/>
+                </a:solidFill>
+                <a:latin typeface="Consolas"/>
+                <a:ea typeface="Times New Roman"/>
+                <a:cs typeface="Times New Roman"/>
+              </a:rPr>
+              <a:t> </a:t>
+            </a:r>
+            <a:r>
+              <a:rPr lang="en-US" sz="1600" dirty="0" err="1" smtClean="0">
+                <a:solidFill>
+                  <a:srgbClr val="333333"/>
+                </a:solidFill>
+                <a:latin typeface="Consolas"/>
+                <a:ea typeface="Times New Roman"/>
+                <a:cs typeface="Times New Roman"/>
+              </a:rPr>
+              <a:t>cnts</a:t>
+            </a:r>
+            <a:endParaRPr lang="en-US" sz="1600" dirty="0">
               <a:solidFill>
                 <a:srgbClr val="333333"/>
               </a:solidFill>
@@ -19039,10 +19160,10 @@
                 <a:ea typeface="Times New Roman"/>
                 <a:cs typeface="Times New Roman"/>
               </a:rPr>
-              <a:t> 1 </a:t>
-            </a:r>
-            <a:r>
-              <a:rPr lang="en-US" sz="1600" dirty="0" err="1" smtClean="0">
+              <a:t> ------------ * ------ * --------------- = </a:t>
+            </a:r>
+            <a:r>
+              <a:rPr lang="en-US" sz="1600" dirty="0" smtClean="0">
                 <a:solidFill>
                   <a:srgbClr val="333333"/>
                 </a:solidFill>
@@ -19050,10 +19171,10 @@
                 <a:ea typeface="Times New Roman"/>
                 <a:cs typeface="Times New Roman"/>
               </a:rPr>
-              <a:t>usec</a:t>
-            </a:r>
-            <a:r>
-              <a:rPr lang="en-US" sz="1600" dirty="0" smtClean="0">
+              <a:t>32.77 </a:t>
+            </a:r>
+            <a:r>
+              <a:rPr lang="en-US" sz="1600" dirty="0" err="1" smtClean="0">
                 <a:solidFill>
                   <a:srgbClr val="333333"/>
                 </a:solidFill>
@@ -19061,73 +19182,7 @@
                 <a:ea typeface="Times New Roman"/>
                 <a:cs typeface="Times New Roman"/>
               </a:rPr>
-              <a:t>          4 </a:t>
-            </a:r>
-            <a:r>
-              <a:rPr lang="en-US" sz="1600" dirty="0" err="1">
-                <a:solidFill>
-                  <a:srgbClr val="333333"/>
-                </a:solidFill>
-                <a:latin typeface="Consolas"/>
-                <a:ea typeface="Times New Roman"/>
-                <a:cs typeface="Times New Roman"/>
-              </a:rPr>
-              <a:t>clks</a:t>
-            </a:r>
-            <a:r>
-              <a:rPr lang="en-US" sz="1600" dirty="0">
-                <a:solidFill>
-                  <a:srgbClr val="333333"/>
-                </a:solidFill>
-                <a:latin typeface="Consolas"/>
-                <a:ea typeface="Times New Roman"/>
-                <a:cs typeface="Times New Roman"/>
-              </a:rPr>
-              <a:t> </a:t>
-            </a:r>
-            <a:r>
-              <a:rPr lang="en-US" sz="1600" dirty="0" smtClean="0">
-                <a:solidFill>
-                  <a:srgbClr val="333333"/>
-                </a:solidFill>
-                <a:latin typeface="Consolas"/>
-                <a:ea typeface="Times New Roman"/>
-                <a:cs typeface="Times New Roman"/>
-              </a:rPr>
-              <a:t>    2^</a:t>
-            </a:r>
-            <a:r>
-              <a:rPr lang="en-US" sz="1600" baseline="30000" dirty="0" smtClean="0">
-                <a:solidFill>
-                  <a:srgbClr val="333333"/>
-                </a:solidFill>
-                <a:latin typeface="Consolas"/>
-                <a:ea typeface="Times New Roman"/>
-                <a:cs typeface="Times New Roman"/>
-              </a:rPr>
-              <a:t>16</a:t>
-            </a:r>
-            <a:r>
-              <a:rPr lang="en-US" sz="1600" dirty="0" smtClean="0">
-                <a:solidFill>
-                  <a:srgbClr val="333333"/>
-                </a:solidFill>
-                <a:latin typeface="Consolas"/>
-                <a:ea typeface="Times New Roman"/>
-                <a:cs typeface="Times New Roman"/>
-              </a:rPr>
-              <a:t> </a:t>
-            </a:r>
-            <a:r>
-              <a:rPr lang="en-US" sz="1600" dirty="0" err="1" smtClean="0">
-                <a:solidFill>
-                  <a:srgbClr val="333333"/>
-                </a:solidFill>
-                <a:latin typeface="Consolas"/>
-                <a:ea typeface="Times New Roman"/>
-                <a:cs typeface="Times New Roman"/>
-              </a:rPr>
-              <a:t>cnts</a:t>
+              <a:t>msec</a:t>
             </a:r>
             <a:endParaRPr lang="en-US" sz="1600" dirty="0">
               <a:solidFill>
@@ -19178,79 +19233,6 @@
                 <a:ea typeface="Times New Roman"/>
                 <a:cs typeface="Times New Roman"/>
               </a:rPr>
-              <a:t> ------------ * ------ * --------------- = </a:t>
-            </a:r>
-            <a:r>
-              <a:rPr lang="en-US" sz="1600" dirty="0" smtClean="0">
-                <a:solidFill>
-                  <a:srgbClr val="333333"/>
-                </a:solidFill>
-                <a:latin typeface="Consolas"/>
-                <a:ea typeface="Times New Roman"/>
-                <a:cs typeface="Times New Roman"/>
-              </a:rPr>
-              <a:t>32.77 </a:t>
-            </a:r>
-            <a:r>
-              <a:rPr lang="en-US" sz="1600" dirty="0" err="1" smtClean="0">
-                <a:solidFill>
-                  <a:srgbClr val="333333"/>
-                </a:solidFill>
-                <a:latin typeface="Consolas"/>
-                <a:ea typeface="Times New Roman"/>
-                <a:cs typeface="Times New Roman"/>
-              </a:rPr>
-              <a:t>msec</a:t>
-            </a:r>
-            <a:endParaRPr lang="en-US" sz="1600" dirty="0">
-              <a:solidFill>
-                <a:srgbClr val="333333"/>
-              </a:solidFill>
-              <a:latin typeface="Consolas"/>
-              <a:ea typeface="Times New Roman"/>
-              <a:cs typeface="Times New Roman"/>
-            </a:endParaRPr>
-          </a:p>
-          <a:p>
-            <a:pPr marL="400050" lvl="1" indent="0" latinLnBrk="1">
-              <a:lnSpc>
-                <a:spcPts val="1500"/>
-              </a:lnSpc>
-              <a:spcBef>
-                <a:spcPts val="0"/>
-              </a:spcBef>
-              <a:spcAft>
-                <a:spcPts val="750"/>
-              </a:spcAft>
-              <a:buNone/>
-              <a:tabLst>
-                <a:tab pos="581660" algn="l"/>
-                <a:tab pos="1163320" algn="l"/>
-                <a:tab pos="1744980" algn="l"/>
-                <a:tab pos="2326640" algn="l"/>
-                <a:tab pos="2908300" algn="l"/>
-                <a:tab pos="3489960" algn="l"/>
-                <a:tab pos="4071620" algn="l"/>
-                <a:tab pos="4653280" algn="l"/>
-                <a:tab pos="5234940" algn="l"/>
-                <a:tab pos="5816600" algn="l"/>
-                <a:tab pos="6398260" algn="l"/>
-                <a:tab pos="6979920" algn="l"/>
-                <a:tab pos="7561580" algn="l"/>
-                <a:tab pos="8143240" algn="l"/>
-                <a:tab pos="8724900" algn="l"/>
-                <a:tab pos="9306560" algn="l"/>
-              </a:tabLst>
-            </a:pPr>
-            <a:r>
-              <a:rPr lang="en-US" sz="1600" dirty="0">
-                <a:solidFill>
-                  <a:srgbClr val="333333"/>
-                </a:solidFill>
-                <a:latin typeface="Consolas"/>
-                <a:ea typeface="Times New Roman"/>
-                <a:cs typeface="Times New Roman"/>
-              </a:rPr>
               <a:t> </a:t>
             </a:r>
             <a:r>
@@ -19330,7 +19312,7 @@
         </p:blipFill>
         <p:spPr bwMode="auto">
           <a:xfrm>
-            <a:off x="1495426" y="5065136"/>
+            <a:off x="1495426" y="4663116"/>
             <a:ext cx="6134068" cy="1553655"/>
           </a:xfrm>
           <a:prstGeom prst="rect">
@@ -19369,7 +19351,7 @@
         </p:nvGrpSpPr>
         <p:grpSpPr>
           <a:xfrm>
-            <a:off x="2626518" y="5930761"/>
+            <a:off x="2626518" y="5528741"/>
             <a:ext cx="728664" cy="918864"/>
             <a:chOff x="2626518" y="1504950"/>
             <a:chExt cx="728664" cy="918864"/>
@@ -19451,7 +19433,7 @@
         </p:nvGrpSpPr>
         <p:grpSpPr>
           <a:xfrm>
-            <a:off x="3407568" y="5930761"/>
+            <a:off x="3407568" y="5528741"/>
             <a:ext cx="728664" cy="918864"/>
             <a:chOff x="2626518" y="1504950"/>
             <a:chExt cx="728664" cy="918864"/>
@@ -19608,7 +19590,7 @@
         </p:blipFill>
         <p:spPr bwMode="auto">
           <a:xfrm>
-            <a:off x="1495426" y="639325"/>
+            <a:off x="2756674" y="639325"/>
             <a:ext cx="6134068" cy="6218675"/>
           </a:xfrm>
           <a:prstGeom prst="rect">
@@ -19647,7 +19629,7 @@
         </p:nvSpPr>
         <p:spPr bwMode="auto">
           <a:xfrm>
-            <a:off x="3771900" y="971549"/>
+            <a:off x="5033148" y="971549"/>
             <a:ext cx="2181225" cy="866775"/>
           </a:xfrm>
           <a:prstGeom prst="ellipse">
@@ -19710,7 +19692,7 @@
         </p:nvSpPr>
         <p:spPr bwMode="auto">
           <a:xfrm>
-            <a:off x="1857375" y="764377"/>
+            <a:off x="3118623" y="764377"/>
             <a:ext cx="1323975" cy="433388"/>
           </a:xfrm>
           <a:prstGeom prst="ellipse">
@@ -19761,7 +19743,7 @@
         </p:nvSpPr>
         <p:spPr bwMode="auto">
           <a:xfrm>
-            <a:off x="2924174" y="885824"/>
+            <a:off x="4185422" y="885824"/>
             <a:ext cx="847725" cy="819151"/>
           </a:xfrm>
           <a:prstGeom prst="ellipse">
@@ -19835,7 +19817,7 @@
         </p:nvSpPr>
         <p:spPr bwMode="auto">
           <a:xfrm>
-            <a:off x="5934075" y="885824"/>
+            <a:off x="7195323" y="885824"/>
             <a:ext cx="1323975" cy="952500"/>
           </a:xfrm>
           <a:prstGeom prst="ellipse">
@@ -19898,7 +19880,7 @@
         </p:nvSpPr>
         <p:spPr bwMode="auto">
           <a:xfrm>
-            <a:off x="5057775" y="3276600"/>
+            <a:off x="6319023" y="3276600"/>
             <a:ext cx="2124075" cy="619125"/>
           </a:xfrm>
           <a:prstGeom prst="ellipse">
@@ -19961,7 +19943,7 @@
         </p:nvSpPr>
         <p:spPr bwMode="auto">
           <a:xfrm>
-            <a:off x="6410325" y="4524375"/>
+            <a:off x="7671573" y="4524375"/>
             <a:ext cx="1495425" cy="590548"/>
           </a:xfrm>
           <a:prstGeom prst="ellipse">
@@ -20029,7 +20011,7 @@
         </p:nvGrpSpPr>
         <p:grpSpPr>
           <a:xfrm>
-            <a:off x="2626518" y="1504950"/>
+            <a:off x="3887766" y="1504950"/>
             <a:ext cx="728664" cy="918864"/>
             <a:chOff x="2626518" y="1504950"/>
             <a:chExt cx="728664" cy="918864"/>
@@ -20111,7 +20093,7 @@
         </p:nvGrpSpPr>
         <p:grpSpPr>
           <a:xfrm>
-            <a:off x="3407568" y="1504950"/>
+            <a:off x="4668816" y="1504950"/>
             <a:ext cx="728664" cy="918864"/>
             <a:chOff x="2626518" y="1504950"/>
             <a:chExt cx="728664" cy="918864"/>
@@ -20193,7 +20175,7 @@
         </p:nvSpPr>
         <p:spPr>
           <a:xfrm>
-            <a:off x="6410294" y="6069390"/>
+            <a:off x="23000" y="6392583"/>
             <a:ext cx="2733674" cy="369332"/>
           </a:xfrm>
           <a:prstGeom prst="rect">
@@ -20213,6 +20195,54 @@
               <a:rPr lang="en-US" sz="1800" dirty="0" smtClean="0"/>
               <a:t>Family User Guide pp 357</a:t>
             </a:r>
+          </a:p>
+        </p:txBody>
+      </p:sp>
+      <p:sp>
+        <p:nvSpPr>
+          <p:cNvPr id="4" name="TextBox 3"/>
+          <p:cNvSpPr txBox="1"/>
+          <p:nvPr/>
+        </p:nvSpPr>
+        <p:spPr>
+          <a:xfrm>
+            <a:off x="125269" y="1654372"/>
+            <a:ext cx="2658100" cy="1077218"/>
+          </a:xfrm>
+          <a:prstGeom prst="rect">
+            <a:avLst/>
+          </a:prstGeom>
+          <a:solidFill>
+            <a:schemeClr val="bg1"/>
+          </a:solidFill>
+        </p:spPr>
+        <p:txBody>
+          <a:bodyPr wrap="none" rtlCol="0">
+            <a:spAutoFit/>
+          </a:bodyPr>
+          <a:lstStyle/>
+          <a:p>
+            <a:r>
+              <a:rPr lang="en-US" sz="1600" dirty="0" smtClean="0"/>
+              <a:t>ACLK: internal “slow” clock</a:t>
+            </a:r>
+          </a:p>
+          <a:p>
+            <a:r>
+              <a:rPr lang="en-US" sz="1600" dirty="0" smtClean="0">
+                <a:solidFill>
+                  <a:srgbClr val="0070C0"/>
+                </a:solidFill>
+              </a:rPr>
+              <a:t>SMCLK: internal “fast” clock</a:t>
+            </a:r>
+          </a:p>
+          <a:p>
+            <a:r>
+              <a:rPr lang="en-US" sz="1600" dirty="0" smtClean="0"/>
+              <a:t>INCLK: external clock signal</a:t>
+            </a:r>
+            <a:endParaRPr lang="en-US" sz="1600" dirty="0"/>
           </a:p>
         </p:txBody>
       </p:sp>
@@ -20679,8 +20709,8 @@
         </p:nvSpPr>
         <p:spPr>
           <a:xfrm>
-            <a:off x="348338" y="847679"/>
-            <a:ext cx="8509911" cy="5747330"/>
+            <a:off x="348338" y="1521372"/>
+            <a:ext cx="8509911" cy="3074276"/>
           </a:xfrm>
         </p:spPr>
         <p:txBody>
@@ -20742,17 +20772,13 @@
             </a:endParaRPr>
           </a:p>
           <a:p>
-            <a:pPr marL="457200" lvl="0" indent="-457200">
-              <a:lnSpc>
-                <a:spcPts val="1500"/>
-              </a:lnSpc>
+            <a:pPr>
               <a:spcBef>
                 <a:spcPts val="0"/>
               </a:spcBef>
               <a:spcAft>
                 <a:spcPts val="1000"/>
               </a:spcAft>
-              <a:buAutoNum type="arabicPeriod" startAt="2"/>
               <a:tabLst>
                 <a:tab pos="285750" algn="l"/>
               </a:tabLst>
@@ -20788,27 +20814,10 @@
                 <a:ea typeface="Times New Roman"/>
                 <a:cs typeface="Times New Roman"/>
               </a:rPr>
-              <a:t>MC_1</a:t>
-            </a:r>
-          </a:p>
-          <a:p>
-            <a:pPr marL="0" lvl="0" indent="0">
-              <a:lnSpc>
-                <a:spcPts val="1500"/>
-              </a:lnSpc>
-              <a:spcBef>
-                <a:spcPts val="0"/>
-              </a:spcBef>
-              <a:spcAft>
-                <a:spcPts val="1000"/>
-              </a:spcAft>
-              <a:buNone/>
-              <a:tabLst>
-                <a:tab pos="285750" algn="l"/>
-              </a:tabLst>
-            </a:pPr>
-            <a:r>
-              <a:rPr lang="en-US" sz="2400" dirty="0" smtClean="0">
+              <a:t>MC_1 and </a:t>
+            </a:r>
+            <a:r>
+              <a:rPr lang="en-US" sz="2400" dirty="0">
                 <a:solidFill>
                   <a:schemeClr val="accent2"/>
                 </a:solidFill>
@@ -20816,10 +20825,10 @@
                 <a:ea typeface="Times New Roman"/>
                 <a:cs typeface="Times New Roman"/>
               </a:rPr>
-              <a:t> </a:t>
-            </a:r>
-            <a:r>
-              <a:rPr lang="en-US" sz="2400" dirty="0">
+              <a:t>TACCR0=2^16-1, how long will it take to roll over TAR</a:t>
+            </a:r>
+            <a:r>
+              <a:rPr lang="en-US" sz="2400" dirty="0" smtClean="0">
                 <a:solidFill>
                   <a:schemeClr val="accent2"/>
                 </a:solidFill>
@@ -20827,36 +20836,8 @@
                 <a:ea typeface="Times New Roman"/>
                 <a:cs typeface="Times New Roman"/>
               </a:rPr>
-              <a:t>and TACCR0=2^16-1, how long will it take to roll over TAR</a:t>
-            </a:r>
-            <a:r>
-              <a:rPr lang="en-US" sz="2400" dirty="0" smtClean="0">
-                <a:solidFill>
-                  <a:schemeClr val="accent2"/>
-                </a:solidFill>
-                <a:latin typeface="Helvetica"/>
-                <a:ea typeface="Times New Roman"/>
-                <a:cs typeface="Times New Roman"/>
-              </a:rPr>
               <a:t>?</a:t>
             </a:r>
-          </a:p>
-          <a:p>
-            <a:pPr marL="0" lvl="0" indent="0">
-              <a:lnSpc>
-                <a:spcPts val="1500"/>
-              </a:lnSpc>
-              <a:spcBef>
-                <a:spcPts val="0"/>
-              </a:spcBef>
-              <a:spcAft>
-                <a:spcPts val="1000"/>
-              </a:spcAft>
-              <a:buNone/>
-              <a:tabLst>
-                <a:tab pos="285750" algn="l"/>
-              </a:tabLst>
-            </a:pPr>
             <a:endParaRPr lang="en-US" sz="2400" dirty="0">
               <a:solidFill>
                 <a:schemeClr val="accent2"/>
@@ -20867,17 +20848,13 @@
             </a:endParaRPr>
           </a:p>
           <a:p>
-            <a:pPr marL="0" lvl="0" indent="0">
-              <a:lnSpc>
-                <a:spcPts val="1500"/>
-              </a:lnSpc>
+            <a:pPr>
               <a:spcBef>
                 <a:spcPts val="0"/>
               </a:spcBef>
               <a:spcAft>
                 <a:spcPts val="1000"/>
               </a:spcAft>
-              <a:buNone/>
               <a:tabLst>
                 <a:tab pos="285750" algn="l"/>
               </a:tabLst>
@@ -20891,7 +20868,7 @@
                 <a:ea typeface="Times New Roman"/>
                 <a:cs typeface="Times New Roman"/>
               </a:rPr>
-              <a:t>5.</a:t>
+              <a:t>Do </a:t>
             </a:r>
             <a:r>
               <a:rPr lang="en-US" sz="2400" dirty="0">
@@ -20902,7 +20879,7 @@
                 <a:ea typeface="Times New Roman"/>
                 <a:cs typeface="Times New Roman"/>
               </a:rPr>
-              <a:t>	Do the previous problem, except with </a:t>
+              <a:t>the previous problem, except with </a:t>
             </a:r>
             <a:r>
               <a:rPr lang="en-US" sz="2400" dirty="0" smtClean="0">
@@ -20913,37 +20890,26 @@
                 <a:ea typeface="Times New Roman"/>
                 <a:cs typeface="Times New Roman"/>
               </a:rPr>
-              <a:t>ID_3.</a:t>
-            </a:r>
-          </a:p>
-          <a:p>
-            <a:pPr marL="0" lvl="0" indent="0">
-              <a:lnSpc>
-                <a:spcPts val="1500"/>
-              </a:lnSpc>
-              <a:spcBef>
-                <a:spcPts val="0"/>
-              </a:spcBef>
-              <a:spcAft>
-                <a:spcPts val="1000"/>
-              </a:spcAft>
-              <a:buNone/>
-              <a:tabLst>
-                <a:tab pos="285750" algn="l"/>
-              </a:tabLst>
-            </a:pPr>
-            <a:endParaRPr lang="en-US" sz="2800" dirty="0" smtClean="0">
-              <a:latin typeface="Calibri"/>
-              <a:ea typeface="Calibri"/>
-              <a:cs typeface="Times New Roman"/>
-            </a:endParaRPr>
-          </a:p>
-          <a:p>
-            <a:pPr lvl="1"/>
-            <a:endParaRPr lang="en-US" sz="1600" dirty="0" smtClean="0">
+              <a:t>ID_3</a:t>
+            </a:r>
+            <a:r>
+              <a:rPr lang="en-US" sz="2400" dirty="0" smtClean="0">
+                <a:solidFill>
+                  <a:schemeClr val="accent2"/>
+                </a:solidFill>
+                <a:latin typeface="Helvetica"/>
+                <a:ea typeface="Times New Roman"/>
+                <a:cs typeface="Times New Roman"/>
+              </a:rPr>
+              <a:t>.</a:t>
+            </a:r>
+            <a:endParaRPr lang="en-US" sz="2400" dirty="0" smtClean="0">
               <a:solidFill>
                 <a:schemeClr val="accent2"/>
               </a:solidFill>
+              <a:latin typeface="Helvetica"/>
+              <a:ea typeface="Times New Roman"/>
+              <a:cs typeface="Times New Roman"/>
             </a:endParaRPr>
           </a:p>
         </p:txBody>
@@ -20969,7 +20935,7 @@
         </p:blipFill>
         <p:spPr bwMode="auto">
           <a:xfrm>
-            <a:off x="1495426" y="5065136"/>
+            <a:off x="1479661" y="4726178"/>
             <a:ext cx="6134068" cy="1553655"/>
           </a:xfrm>
           <a:prstGeom prst="rect">
@@ -21008,7 +20974,7 @@
         </p:nvGrpSpPr>
         <p:grpSpPr>
           <a:xfrm>
-            <a:off x="2626518" y="5930761"/>
+            <a:off x="2610753" y="5591803"/>
             <a:ext cx="728664" cy="918864"/>
             <a:chOff x="2626518" y="1504950"/>
             <a:chExt cx="728664" cy="918864"/>
@@ -21090,7 +21056,7 @@
         </p:nvGrpSpPr>
         <p:grpSpPr>
           <a:xfrm>
-            <a:off x="3407568" y="5930761"/>
+            <a:off x="3391803" y="5591803"/>
             <a:ext cx="728664" cy="918864"/>
             <a:chOff x="2626518" y="1504950"/>
             <a:chExt cx="728664" cy="918864"/>
@@ -21236,15 +21202,20 @@
         </p:nvSpPr>
         <p:spPr>
           <a:xfrm>
-            <a:off x="348338" y="847679"/>
-            <a:ext cx="8509911" cy="5747330"/>
+            <a:off x="348338" y="1592316"/>
+            <a:ext cx="8509911" cy="3168869"/>
           </a:xfrm>
         </p:spPr>
         <p:txBody>
-          <a:bodyPr/>
+          <a:bodyPr>
+            <a:normAutofit fontScale="85000" lnSpcReduction="10000"/>
+          </a:bodyPr>
           <a:lstStyle/>
           <a:p>
             <a:pPr marL="0" indent="0">
+              <a:lnSpc>
+                <a:spcPct val="110000"/>
+              </a:lnSpc>
               <a:buNone/>
             </a:pPr>
             <a:r>
@@ -21290,6 +21261,9 @@
           </a:p>
           <a:p>
             <a:pPr marL="0" indent="0">
+              <a:lnSpc>
+                <a:spcPct val="110000"/>
+              </a:lnSpc>
               <a:buNone/>
             </a:pPr>
             <a:endParaRPr lang="en-US" sz="2000" b="1" dirty="0" smtClean="0">
@@ -21299,9 +21273,9 @@
             </a:endParaRPr>
           </a:p>
           <a:p>
-            <a:pPr marL="457200" lvl="0" indent="-457200">
+            <a:pPr>
               <a:lnSpc>
-                <a:spcPts val="1500"/>
+                <a:spcPct val="110000"/>
               </a:lnSpc>
               <a:spcBef>
                 <a:spcPts val="0"/>
@@ -21309,7 +21283,6 @@
               <a:spcAft>
                 <a:spcPts val="1000"/>
               </a:spcAft>
-              <a:buAutoNum type="arabicPeriod" startAt="2"/>
               <a:tabLst>
                 <a:tab pos="285750" algn="l"/>
               </a:tabLst>
@@ -21345,27 +21318,10 @@
                 <a:ea typeface="Times New Roman"/>
                 <a:cs typeface="Times New Roman"/>
               </a:rPr>
-              <a:t>MC_1</a:t>
-            </a:r>
-          </a:p>
-          <a:p>
-            <a:pPr marL="0" lvl="0" indent="0">
-              <a:lnSpc>
-                <a:spcPts val="1500"/>
-              </a:lnSpc>
-              <a:spcBef>
-                <a:spcPts val="0"/>
-              </a:spcBef>
-              <a:spcAft>
-                <a:spcPts val="1000"/>
-              </a:spcAft>
-              <a:buNone/>
-              <a:tabLst>
-                <a:tab pos="285750" algn="l"/>
-              </a:tabLst>
-            </a:pPr>
-            <a:r>
-              <a:rPr lang="en-US" sz="2400" dirty="0" smtClean="0">
+              <a:t>MC_1 and </a:t>
+            </a:r>
+            <a:r>
+              <a:rPr lang="en-US" sz="2400" dirty="0">
                 <a:solidFill>
                   <a:schemeClr val="accent2"/>
                 </a:solidFill>
@@ -21373,10 +21329,10 @@
                 <a:ea typeface="Times New Roman"/>
                 <a:cs typeface="Times New Roman"/>
               </a:rPr>
-              <a:t> </a:t>
-            </a:r>
-            <a:r>
-              <a:rPr lang="en-US" sz="2400" dirty="0">
+              <a:t>TACCR0=2^16-1, how long will it take to roll over TAR</a:t>
+            </a:r>
+            <a:r>
+              <a:rPr lang="en-US" sz="2400" dirty="0" smtClean="0">
                 <a:solidFill>
                   <a:schemeClr val="accent2"/>
                 </a:solidFill>
@@ -21384,36 +21340,8 @@
                 <a:ea typeface="Times New Roman"/>
                 <a:cs typeface="Times New Roman"/>
               </a:rPr>
-              <a:t>and TACCR0=2^16-1, how long will it take to roll over TAR</a:t>
-            </a:r>
-            <a:r>
-              <a:rPr lang="en-US" sz="2400" dirty="0" smtClean="0">
-                <a:solidFill>
-                  <a:schemeClr val="accent2"/>
-                </a:solidFill>
-                <a:latin typeface="Helvetica"/>
-                <a:ea typeface="Times New Roman"/>
-                <a:cs typeface="Times New Roman"/>
-              </a:rPr>
               <a:t>?</a:t>
             </a:r>
-          </a:p>
-          <a:p>
-            <a:pPr marL="0" lvl="0" indent="0">
-              <a:lnSpc>
-                <a:spcPts val="1500"/>
-              </a:lnSpc>
-              <a:spcBef>
-                <a:spcPts val="0"/>
-              </a:spcBef>
-              <a:spcAft>
-                <a:spcPts val="1000"/>
-              </a:spcAft>
-              <a:buNone/>
-              <a:tabLst>
-                <a:tab pos="285750" algn="l"/>
-              </a:tabLst>
-            </a:pPr>
             <a:endParaRPr lang="en-US" sz="2400" dirty="0">
               <a:solidFill>
                 <a:schemeClr val="accent2"/>
@@ -21424,9 +21352,9 @@
             </a:endParaRPr>
           </a:p>
           <a:p>
-            <a:pPr marL="0" lvl="0" indent="0">
+            <a:pPr>
               <a:lnSpc>
-                <a:spcPts val="1500"/>
+                <a:spcPct val="110000"/>
               </a:lnSpc>
               <a:spcBef>
                 <a:spcPts val="0"/>
@@ -21434,7 +21362,6 @@
               <a:spcAft>
                 <a:spcPts val="1000"/>
               </a:spcAft>
-              <a:buNone/>
               <a:tabLst>
                 <a:tab pos="285750" algn="l"/>
               </a:tabLst>
@@ -21448,7 +21375,7 @@
                 <a:ea typeface="Times New Roman"/>
                 <a:cs typeface="Times New Roman"/>
               </a:rPr>
-              <a:t>5.</a:t>
+              <a:t>Do </a:t>
             </a:r>
             <a:r>
               <a:rPr lang="en-US" sz="2400" dirty="0">
@@ -21459,7 +21386,7 @@
                 <a:ea typeface="Times New Roman"/>
                 <a:cs typeface="Times New Roman"/>
               </a:rPr>
-              <a:t>	Do the previous problem, except with </a:t>
+              <a:t>the previous problem, except with </a:t>
             </a:r>
             <a:r>
               <a:rPr lang="en-US" sz="2400" dirty="0" smtClean="0">
@@ -21470,35 +21397,32 @@
                 <a:ea typeface="Times New Roman"/>
                 <a:cs typeface="Times New Roman"/>
               </a:rPr>
-              <a:t>ID_3.</a:t>
-            </a:r>
-          </a:p>
-          <a:p>
-            <a:pPr marL="0" lvl="0" indent="0">
-              <a:lnSpc>
-                <a:spcPts val="1500"/>
-              </a:lnSpc>
-              <a:spcBef>
-                <a:spcPts val="0"/>
-              </a:spcBef>
-              <a:spcAft>
-                <a:spcPts val="1000"/>
-              </a:spcAft>
-              <a:buNone/>
-              <a:tabLst>
-                <a:tab pos="285750" algn="l"/>
-              </a:tabLst>
-            </a:pPr>
-            <a:endParaRPr lang="en-US" sz="2800" dirty="0" smtClean="0">
-              <a:latin typeface="Calibri"/>
-              <a:ea typeface="Calibri"/>
+              <a:t>ID_3</a:t>
+            </a:r>
+            <a:r>
+              <a:rPr lang="en-US" sz="2400" dirty="0" smtClean="0">
+                <a:solidFill>
+                  <a:schemeClr val="accent2"/>
+                </a:solidFill>
+                <a:latin typeface="Helvetica"/>
+                <a:ea typeface="Times New Roman"/>
+                <a:cs typeface="Times New Roman"/>
+              </a:rPr>
+              <a:t>.</a:t>
+            </a:r>
+            <a:endParaRPr lang="en-US" sz="1600" dirty="0" smtClean="0">
+              <a:solidFill>
+                <a:srgbClr val="333333"/>
+              </a:solidFill>
+              <a:latin typeface="Consolas"/>
+              <a:ea typeface="Times New Roman"/>
               <a:cs typeface="Times New Roman"/>
             </a:endParaRPr>
           </a:p>
           <a:p>
             <a:pPr marL="400050" lvl="1" indent="0" latinLnBrk="1">
               <a:lnSpc>
-                <a:spcPts val="1500"/>
+                <a:spcPct val="110000"/>
               </a:lnSpc>
               <a:spcBef>
                 <a:spcPts val="0"/>
@@ -21526,7 +21450,106 @@
                 <a:tab pos="9306560" algn="l"/>
               </a:tabLst>
             </a:pPr>
-            <a:endParaRPr lang="en-US" sz="1600" dirty="0" smtClean="0">
+            <a:r>
+              <a:rPr lang="en-US" sz="1600" dirty="0">
+                <a:solidFill>
+                  <a:srgbClr val="333333"/>
+                </a:solidFill>
+                <a:latin typeface="Consolas"/>
+                <a:ea typeface="Times New Roman"/>
+                <a:cs typeface="Times New Roman"/>
+              </a:rPr>
+              <a:t> 1 </a:t>
+            </a:r>
+            <a:r>
+              <a:rPr lang="en-US" sz="1600" dirty="0" err="1" smtClean="0">
+                <a:solidFill>
+                  <a:srgbClr val="333333"/>
+                </a:solidFill>
+                <a:latin typeface="Consolas"/>
+                <a:ea typeface="Times New Roman"/>
+                <a:cs typeface="Times New Roman"/>
+              </a:rPr>
+              <a:t>usec</a:t>
+            </a:r>
+            <a:r>
+              <a:rPr lang="en-US" sz="1600" dirty="0" smtClean="0">
+                <a:solidFill>
+                  <a:srgbClr val="333333"/>
+                </a:solidFill>
+                <a:latin typeface="Consolas"/>
+                <a:ea typeface="Times New Roman"/>
+                <a:cs typeface="Times New Roman"/>
+              </a:rPr>
+              <a:t>          8 </a:t>
+            </a:r>
+            <a:r>
+              <a:rPr lang="en-US" sz="1600" dirty="0" err="1">
+                <a:solidFill>
+                  <a:srgbClr val="333333"/>
+                </a:solidFill>
+                <a:latin typeface="Consolas"/>
+                <a:ea typeface="Times New Roman"/>
+                <a:cs typeface="Times New Roman"/>
+              </a:rPr>
+              <a:t>clks</a:t>
+            </a:r>
+            <a:r>
+              <a:rPr lang="en-US" sz="1600" dirty="0">
+                <a:solidFill>
+                  <a:srgbClr val="333333"/>
+                </a:solidFill>
+                <a:latin typeface="Consolas"/>
+                <a:ea typeface="Times New Roman"/>
+                <a:cs typeface="Times New Roman"/>
+              </a:rPr>
+              <a:t>     </a:t>
+            </a:r>
+            <a:r>
+              <a:rPr lang="en-US" sz="1600" dirty="0" smtClean="0">
+                <a:solidFill>
+                  <a:srgbClr val="333333"/>
+                </a:solidFill>
+                <a:latin typeface="Consolas"/>
+                <a:ea typeface="Times New Roman"/>
+                <a:cs typeface="Times New Roman"/>
+              </a:rPr>
+              <a:t>2^</a:t>
+            </a:r>
+            <a:r>
+              <a:rPr lang="en-US" sz="1600" baseline="30000" dirty="0" smtClean="0">
+                <a:solidFill>
+                  <a:srgbClr val="333333"/>
+                </a:solidFill>
+                <a:latin typeface="Consolas"/>
+                <a:ea typeface="Times New Roman"/>
+                <a:cs typeface="Times New Roman"/>
+              </a:rPr>
+              <a:t>16</a:t>
+            </a:r>
+            <a:r>
+              <a:rPr lang="en-US" sz="1600" dirty="0" smtClean="0">
+                <a:solidFill>
+                  <a:srgbClr val="333333"/>
+                </a:solidFill>
+                <a:latin typeface="Consolas"/>
+                <a:ea typeface="Times New Roman"/>
+                <a:cs typeface="Times New Roman"/>
+              </a:rPr>
+              <a:t> </a:t>
+            </a:r>
+            <a:r>
+              <a:rPr lang="en-US" sz="1600" dirty="0" err="1">
+                <a:solidFill>
+                  <a:srgbClr val="333333"/>
+                </a:solidFill>
+                <a:latin typeface="Consolas"/>
+                <a:ea typeface="Times New Roman"/>
+                <a:cs typeface="Times New Roman"/>
+              </a:rPr>
+              <a:t>cnts</a:t>
+            </a:r>
+            <a:endParaRPr lang="en-US" sz="1600" dirty="0">
               <a:solidFill>
                 <a:srgbClr val="333333"/>
               </a:solidFill>
@@ -21538,7 +21561,7 @@
           <a:p>
             <a:pPr marL="400050" lvl="1" indent="0" latinLnBrk="1">
               <a:lnSpc>
-                <a:spcPts val="1500"/>
+                <a:spcPct val="110000"/>
               </a:lnSpc>
               <a:spcBef>
                 <a:spcPts val="0"/>
@@ -21575,10 +21598,10 @@
                 <a:ea typeface="Times New Roman"/>
                 <a:cs typeface="Times New Roman"/>
               </a:rPr>
-              <a:t> 1 </a:t>
-            </a:r>
-            <a:r>
-              <a:rPr lang="en-US" sz="1600" dirty="0" err="1" smtClean="0">
+              <a:t> ------------ * ------ * --------------- = </a:t>
+            </a:r>
+            <a:r>
+              <a:rPr lang="en-US" sz="1600" dirty="0" smtClean="0">
                 <a:solidFill>
                   <a:srgbClr val="333333"/>
                 </a:solidFill>
@@ -21586,10 +21609,10 @@
                 <a:ea typeface="Times New Roman"/>
                 <a:cs typeface="Times New Roman"/>
               </a:rPr>
-              <a:t>usec</a:t>
-            </a:r>
-            <a:r>
-              <a:rPr lang="en-US" sz="1600" dirty="0" smtClean="0">
+              <a:t>65.535 </a:t>
+            </a:r>
+            <a:r>
+              <a:rPr lang="en-US" sz="1600" dirty="0" err="1" smtClean="0">
                 <a:solidFill>
                   <a:srgbClr val="333333"/>
                 </a:solidFill>
@@ -21597,73 +21620,7 @@
                 <a:ea typeface="Times New Roman"/>
                 <a:cs typeface="Times New Roman"/>
               </a:rPr>
-              <a:t>          8 </a:t>
-            </a:r>
-            <a:r>
-              <a:rPr lang="en-US" sz="1600" dirty="0" err="1">
-                <a:solidFill>
-                  <a:srgbClr val="333333"/>
-                </a:solidFill>
-                <a:latin typeface="Consolas"/>
-                <a:ea typeface="Times New Roman"/>
-                <a:cs typeface="Times New Roman"/>
-              </a:rPr>
-              <a:t>clks</a:t>
-            </a:r>
-            <a:r>
-              <a:rPr lang="en-US" sz="1600" dirty="0">
-                <a:solidFill>
-                  <a:srgbClr val="333333"/>
-                </a:solidFill>
-                <a:latin typeface="Consolas"/>
-                <a:ea typeface="Times New Roman"/>
-                <a:cs typeface="Times New Roman"/>
-              </a:rPr>
-              <a:t>     </a:t>
-            </a:r>
-            <a:r>
-              <a:rPr lang="en-US" sz="1600" dirty="0" smtClean="0">
-                <a:solidFill>
-                  <a:srgbClr val="333333"/>
-                </a:solidFill>
-                <a:latin typeface="Consolas"/>
-                <a:ea typeface="Times New Roman"/>
-                <a:cs typeface="Times New Roman"/>
-              </a:rPr>
-              <a:t>2^</a:t>
-            </a:r>
-            <a:r>
-              <a:rPr lang="en-US" sz="1600" baseline="30000" dirty="0" smtClean="0">
-                <a:solidFill>
-                  <a:srgbClr val="333333"/>
-                </a:solidFill>
-                <a:latin typeface="Consolas"/>
-                <a:ea typeface="Times New Roman"/>
-                <a:cs typeface="Times New Roman"/>
-              </a:rPr>
-              <a:t>16</a:t>
-            </a:r>
-            <a:r>
-              <a:rPr lang="en-US" sz="1600" dirty="0" smtClean="0">
-                <a:solidFill>
-                  <a:srgbClr val="333333"/>
-                </a:solidFill>
-                <a:latin typeface="Consolas"/>
-                <a:ea typeface="Times New Roman"/>
-                <a:cs typeface="Times New Roman"/>
-              </a:rPr>
-              <a:t> </a:t>
-            </a:r>
-            <a:r>
-              <a:rPr lang="en-US" sz="1600" dirty="0" err="1">
-                <a:solidFill>
-                  <a:srgbClr val="333333"/>
-                </a:solidFill>
-                <a:latin typeface="Consolas"/>
-                <a:ea typeface="Times New Roman"/>
-                <a:cs typeface="Times New Roman"/>
-              </a:rPr>
-              <a:t>cnts</a:t>
+              <a:t>msec</a:t>
             </a:r>
             <a:endParaRPr lang="en-US" sz="1600" dirty="0">
               <a:solidFill>
@@ -21677,7 +21634,7 @@
           <a:p>
             <a:pPr marL="400050" lvl="1" indent="0" latinLnBrk="1">
               <a:lnSpc>
-                <a:spcPts val="1500"/>
+                <a:spcPct val="110000"/>
               </a:lnSpc>
               <a:spcBef>
                 <a:spcPts val="0"/>
@@ -21714,79 +21671,6 @@
                 <a:ea typeface="Times New Roman"/>
                 <a:cs typeface="Times New Roman"/>
               </a:rPr>
-              <a:t> ------------ * ------ * --------------- = </a:t>
-            </a:r>
-            <a:r>
-              <a:rPr lang="en-US" sz="1600" dirty="0" smtClean="0">
-                <a:solidFill>
-                  <a:srgbClr val="333333"/>
-                </a:solidFill>
-                <a:latin typeface="Consolas"/>
-                <a:ea typeface="Times New Roman"/>
-                <a:cs typeface="Times New Roman"/>
-              </a:rPr>
-              <a:t>65.535 </a:t>
-            </a:r>
-            <a:r>
-              <a:rPr lang="en-US" sz="1600" dirty="0" err="1" smtClean="0">
-                <a:solidFill>
-                  <a:srgbClr val="333333"/>
-                </a:solidFill>
-                <a:latin typeface="Consolas"/>
-                <a:ea typeface="Times New Roman"/>
-                <a:cs typeface="Times New Roman"/>
-              </a:rPr>
-              <a:t>msec</a:t>
-            </a:r>
-            <a:endParaRPr lang="en-US" sz="1600" dirty="0">
-              <a:solidFill>
-                <a:srgbClr val="333333"/>
-              </a:solidFill>
-              <a:latin typeface="Consolas"/>
-              <a:ea typeface="Times New Roman"/>
-              <a:cs typeface="Times New Roman"/>
-            </a:endParaRPr>
-          </a:p>
-          <a:p>
-            <a:pPr marL="400050" lvl="1" indent="0" latinLnBrk="1">
-              <a:lnSpc>
-                <a:spcPts val="1500"/>
-              </a:lnSpc>
-              <a:spcBef>
-                <a:spcPts val="0"/>
-              </a:spcBef>
-              <a:spcAft>
-                <a:spcPts val="750"/>
-              </a:spcAft>
-              <a:buNone/>
-              <a:tabLst>
-                <a:tab pos="581660" algn="l"/>
-                <a:tab pos="1163320" algn="l"/>
-                <a:tab pos="1744980" algn="l"/>
-                <a:tab pos="2326640" algn="l"/>
-                <a:tab pos="2908300" algn="l"/>
-                <a:tab pos="3489960" algn="l"/>
-                <a:tab pos="4071620" algn="l"/>
-                <a:tab pos="4653280" algn="l"/>
-                <a:tab pos="5234940" algn="l"/>
-                <a:tab pos="5816600" algn="l"/>
-                <a:tab pos="6398260" algn="l"/>
-                <a:tab pos="6979920" algn="l"/>
-                <a:tab pos="7561580" algn="l"/>
-                <a:tab pos="8143240" algn="l"/>
-                <a:tab pos="8724900" algn="l"/>
-                <a:tab pos="9306560" algn="l"/>
-              </a:tabLst>
-            </a:pPr>
-            <a:r>
-              <a:rPr lang="en-US" sz="1600" dirty="0">
-                <a:solidFill>
-                  <a:srgbClr val="333333"/>
-                </a:solidFill>
-                <a:latin typeface="Consolas"/>
-                <a:ea typeface="Times New Roman"/>
-                <a:cs typeface="Times New Roman"/>
-              </a:rPr>
               <a:t> </a:t>
             </a:r>
             <a:r>
@@ -21866,7 +21750,7 @@
         </p:blipFill>
         <p:spPr bwMode="auto">
           <a:xfrm>
-            <a:off x="1495426" y="5065136"/>
+            <a:off x="1519074" y="4678881"/>
             <a:ext cx="6134068" cy="1553655"/>
           </a:xfrm>
           <a:prstGeom prst="rect">
@@ -21905,7 +21789,7 @@
         </p:nvGrpSpPr>
         <p:grpSpPr>
           <a:xfrm>
-            <a:off x="2626518" y="5930761"/>
+            <a:off x="2650166" y="5544506"/>
             <a:ext cx="728664" cy="918864"/>
             <a:chOff x="2626518" y="1504950"/>
             <a:chExt cx="728664" cy="918864"/>
@@ -21987,7 +21871,7 @@
         </p:nvGrpSpPr>
         <p:grpSpPr>
           <a:xfrm>
-            <a:off x="3407568" y="5930761"/>
+            <a:off x="3431216" y="5544506"/>
             <a:ext cx="728664" cy="918864"/>
             <a:chOff x="2626518" y="1504950"/>
             <a:chExt cx="728664" cy="918864"/>
@@ -22133,12 +22017,14 @@
         </p:nvSpPr>
         <p:spPr>
           <a:xfrm>
-            <a:off x="348338" y="847679"/>
-            <a:ext cx="8509911" cy="5747330"/>
+            <a:off x="359769" y="1454651"/>
+            <a:ext cx="8509911" cy="2423666"/>
           </a:xfrm>
         </p:spPr>
         <p:txBody>
-          <a:bodyPr/>
+          <a:bodyPr>
+            <a:normAutofit fontScale="92500" lnSpcReduction="10000"/>
+          </a:bodyPr>
           <a:lstStyle/>
           <a:p>
             <a:pPr marL="0" indent="0">
@@ -22196,17 +22082,13 @@
             </a:endParaRPr>
           </a:p>
           <a:p>
-            <a:pPr marL="457200" lvl="0" indent="-457200">
-              <a:lnSpc>
-                <a:spcPts val="1500"/>
-              </a:lnSpc>
+            <a:pPr>
               <a:spcBef>
                 <a:spcPts val="0"/>
               </a:spcBef>
               <a:spcAft>
                 <a:spcPts val="1000"/>
               </a:spcAft>
-              <a:buAutoNum type="arabicPeriod" startAt="6"/>
               <a:tabLst>
                 <a:tab pos="285750" algn="l"/>
               </a:tabLst>
@@ -22247,9 +22129,6 @@
           </a:p>
           <a:p>
             <a:pPr marL="0" lvl="0" indent="0">
-              <a:lnSpc>
-                <a:spcPts val="1500"/>
-              </a:lnSpc>
               <a:spcBef>
                 <a:spcPts val="0"/>
               </a:spcBef>
@@ -22294,9 +22173,6 @@
           </a:p>
           <a:p>
             <a:pPr marL="0" lvl="0" indent="0">
-              <a:lnSpc>
-                <a:spcPts val="1500"/>
-              </a:lnSpc>
               <a:spcBef>
                 <a:spcPts val="0"/>
               </a:spcBef>
@@ -22359,7 +22235,7 @@
         </p:blipFill>
         <p:spPr bwMode="auto">
           <a:xfrm>
-            <a:off x="1495426" y="5065136"/>
+            <a:off x="1550605" y="4524703"/>
             <a:ext cx="6134068" cy="1553655"/>
           </a:xfrm>
           <a:prstGeom prst="rect">
@@ -22398,7 +22274,7 @@
         </p:nvGrpSpPr>
         <p:grpSpPr>
           <a:xfrm>
-            <a:off x="2626518" y="5930761"/>
+            <a:off x="2681697" y="5390328"/>
             <a:ext cx="728664" cy="918864"/>
             <a:chOff x="2626518" y="1504950"/>
             <a:chExt cx="728664" cy="918864"/>
@@ -22480,7 +22356,7 @@
         </p:nvGrpSpPr>
         <p:grpSpPr>
           <a:xfrm>
-            <a:off x="3407568" y="5930761"/>
+            <a:off x="3462747" y="5390328"/>
             <a:ext cx="728664" cy="918864"/>
             <a:chOff x="2626518" y="1504950"/>
             <a:chExt cx="728664" cy="918864"/>
@@ -22626,12 +22502,14 @@
         </p:nvSpPr>
         <p:spPr>
           <a:xfrm>
-            <a:off x="348338" y="847679"/>
-            <a:ext cx="8509911" cy="5747330"/>
+            <a:off x="359769" y="1541362"/>
+            <a:ext cx="8509911" cy="2786273"/>
           </a:xfrm>
         </p:spPr>
         <p:txBody>
-          <a:bodyPr/>
+          <a:bodyPr>
+            <a:normAutofit fontScale="85000" lnSpcReduction="20000"/>
+          </a:bodyPr>
           <a:lstStyle/>
           <a:p>
             <a:pPr marL="0" indent="0">
@@ -22689,7 +22567,7 @@
             </a:endParaRPr>
           </a:p>
           <a:p>
-            <a:pPr marL="457200" lvl="0" indent="-457200">
+            <a:pPr>
               <a:lnSpc>
                 <a:spcPts val="1500"/>
               </a:lnSpc>
@@ -22699,7 +22577,6 @@
               <a:spcAft>
                 <a:spcPts val="1000"/>
               </a:spcAft>
-              <a:buAutoNum type="arabicPeriod" startAt="6"/>
               <a:tabLst>
                 <a:tab pos="285750" algn="l"/>
               </a:tabLst>
@@ -23174,7 +23051,7 @@
         </p:blipFill>
         <p:spPr bwMode="auto">
           <a:xfrm>
-            <a:off x="1495426" y="5065136"/>
+            <a:off x="1479660" y="4588837"/>
             <a:ext cx="6134068" cy="1553655"/>
           </a:xfrm>
           <a:prstGeom prst="rect">
@@ -23213,7 +23090,7 @@
         </p:nvGrpSpPr>
         <p:grpSpPr>
           <a:xfrm>
-            <a:off x="2626518" y="5930761"/>
+            <a:off x="2610752" y="5454462"/>
             <a:ext cx="728664" cy="918864"/>
             <a:chOff x="2626518" y="1504950"/>
             <a:chExt cx="728664" cy="918864"/>
@@ -23295,7 +23172,7 @@
         </p:nvGrpSpPr>
         <p:grpSpPr>
           <a:xfrm>
-            <a:off x="3407568" y="5930761"/>
+            <a:off x="3391802" y="5454462"/>
             <a:ext cx="728664" cy="918864"/>
             <a:chOff x="2626518" y="1504950"/>
             <a:chExt cx="728664" cy="918864"/>
@@ -23441,12 +23318,14 @@
         </p:nvSpPr>
         <p:spPr>
           <a:xfrm>
-            <a:off x="348338" y="847679"/>
-            <a:ext cx="8509911" cy="5747330"/>
+            <a:off x="359769" y="1407355"/>
+            <a:ext cx="8509911" cy="2061059"/>
           </a:xfrm>
         </p:spPr>
         <p:txBody>
-          <a:bodyPr/>
+          <a:bodyPr>
+            <a:normAutofit fontScale="92500" lnSpcReduction="20000"/>
+          </a:bodyPr>
           <a:lstStyle/>
           <a:p>
             <a:pPr marL="0" indent="0">
@@ -23622,11 +23501,15 @@
             <a:graphicFrameLocks noGrp="1"/>
           </p:cNvGraphicFramePr>
           <p:nvPr>
-            <p:extLst/>
+            <p:extLst>
+              <p:ext uri="{D42A27DB-BD31-4B8C-83A1-F6EECF244321}">
+                <p14:modId xmlns:p14="http://schemas.microsoft.com/office/powerpoint/2010/main" val="1354276722"/>
+              </p:ext>
+            </p:extLst>
           </p:nvPr>
         </p:nvGraphicFramePr>
         <p:xfrm>
-          <a:off x="447675" y="2984558"/>
+          <a:off x="498018" y="3599413"/>
           <a:ext cx="8210550" cy="2787591"/>
         </p:xfrm>
         <a:graphic>
@@ -24300,12 +24183,14 @@
         </p:nvSpPr>
         <p:spPr>
           <a:xfrm>
-            <a:off x="348338" y="847679"/>
-            <a:ext cx="8509911" cy="5747330"/>
+            <a:off x="359769" y="1514706"/>
+            <a:ext cx="8509911" cy="1953708"/>
           </a:xfrm>
         </p:spPr>
         <p:txBody>
-          <a:bodyPr/>
+          <a:bodyPr>
+            <a:normAutofit fontScale="92500" lnSpcReduction="20000"/>
+          </a:bodyPr>
           <a:lstStyle/>
           <a:p>
             <a:pPr marL="0" indent="0">
@@ -24452,30 +24337,19 @@
               </a:rPr>
               <a:t>?</a:t>
             </a:r>
-          </a:p>
-          <a:p>
-            <a:pPr marL="0" lvl="0" indent="0">
-              <a:spcBef>
-                <a:spcPts val="0"/>
-              </a:spcBef>
-              <a:spcAft>
-                <a:spcPts val="1000"/>
-              </a:spcAft>
-              <a:buNone/>
-              <a:tabLst>
-                <a:tab pos="285750" algn="l"/>
-              </a:tabLst>
-            </a:pPr>
-            <a:endParaRPr lang="en-US" sz="2800" dirty="0" smtClean="0">
-              <a:latin typeface="Calibri"/>
-              <a:ea typeface="Calibri"/>
+            <a:endParaRPr lang="en-US" sz="2400" dirty="0" smtClean="0">
+              <a:solidFill>
+                <a:schemeClr val="accent2"/>
+              </a:solidFill>
+              <a:latin typeface="Helvetica"/>
+              <a:ea typeface="Times New Roman"/>
               <a:cs typeface="Times New Roman"/>
             </a:endParaRPr>
           </a:p>
         </p:txBody>
       </p:sp>
-      <mc:AlternateContent xmlns:mc="http://schemas.openxmlformats.org/markup-compatibility/2006" xmlns:a14="http://schemas.microsoft.com/office/drawing/2010/main">
-        <mc:Choice Requires="a14">
+      <mc:AlternateContent xmlns:mc="http://schemas.openxmlformats.org/markup-compatibility/2006">
+        <mc:Choice xmlns:a14="http://schemas.microsoft.com/office/drawing/2010/main" Requires="a14">
           <p:graphicFrame>
             <p:nvGraphicFramePr>
               <p:cNvPr id="4" name="Table 3"/>
@@ -24483,11 +24357,15 @@
                 <a:graphicFrameLocks noGrp="1"/>
               </p:cNvGraphicFramePr>
               <p:nvPr>
-                <p:extLst/>
+                <p:extLst>
+                  <p:ext uri="{D42A27DB-BD31-4B8C-83A1-F6EECF244321}">
+                    <p14:modId xmlns:p14="http://schemas.microsoft.com/office/powerpoint/2010/main" val="412753812"/>
+                  </p:ext>
+                </p:extLst>
               </p:nvPr>
             </p:nvGraphicFramePr>
             <p:xfrm>
-              <a:off x="447675" y="2984558"/>
+              <a:off x="509449" y="3560000"/>
               <a:ext cx="8210550" cy="2787591"/>
             </p:xfrm>
             <a:graphic>
@@ -25542,12 +25420,12 @@
                             </a:spcAft>
                           </a:pPr>
                           <a:r>
-                            <a:rPr lang="en-US" sz="1600">
+                            <a:rPr lang="en-US" sz="1600" dirty="0">
                               <a:effectLst/>
                             </a:rPr>
                             <a:t>3</a:t>
                           </a:r>
-                          <a:endParaRPr lang="en-US" sz="2400">
+                          <a:endParaRPr lang="en-US" sz="2400" dirty="0">
                             <a:effectLst/>
                             <a:latin typeface="Calibri"/>
                             <a:ea typeface="Calibri"/>
@@ -25826,7 +25704,7 @@
             </a:graphic>
           </p:graphicFrame>
         </mc:Choice>
-        <mc:Fallback xmlns="">
+        <mc:Fallback>
           <p:graphicFrame>
             <p:nvGraphicFramePr>
               <p:cNvPr id="4" name="Table 3"/>
@@ -25836,13 +25714,13 @@
               <p:nvPr>
                 <p:extLst>
                   <p:ext uri="{D42A27DB-BD31-4B8C-83A1-F6EECF244321}">
-                    <p14:modId xmlns:p14="http://schemas.microsoft.com/office/powerpoint/2010/main" val="2912737954"/>
+                    <p14:modId xmlns:p14="http://schemas.microsoft.com/office/powerpoint/2010/main" val="412753812"/>
                   </p:ext>
                 </p:extLst>
               </p:nvPr>
             </p:nvGraphicFramePr>
             <p:xfrm>
-              <a:off x="447675" y="2984558"/>
+              <a:off x="509449" y="3560000"/>
               <a:ext cx="8210550" cy="2787591"/>
             </p:xfrm>
             <a:graphic>
@@ -25930,10 +25808,10 @@
                         </a:p>
                       </a:txBody>
                       <a:tcPr marL="68580" marR="68580" marT="0" marB="0">
-                        <a:blipFill rotWithShape="1">
+                        <a:blipFill rotWithShape="0">
                           <a:blip r:embed="rId2"/>
                           <a:stretch>
-                            <a:fillRect l="-32709" t="-16327" r="-99" b="-832653"/>
+                            <a:fillRect l="-32776" t="-14000" r="-394" b="-822000"/>
                           </a:stretch>
                         </a:blipFill>
                       </a:tcPr>
@@ -26013,10 +25891,10 @@
                         </a:p>
                       </a:txBody>
                       <a:tcPr marL="68580" marR="68580" marT="0" marB="0">
-                        <a:blipFill rotWithShape="1">
+                        <a:blipFill rotWithShape="0">
                           <a:blip r:embed="rId2"/>
                           <a:stretch>
-                            <a:fillRect l="-32709" t="-55882" r="-99" b="-300000"/>
+                            <a:fillRect l="-32776" t="-55882" r="-394" b="-302941"/>
                           </a:stretch>
                         </a:blipFill>
                       </a:tcPr>
@@ -26096,10 +25974,10 @@
                         </a:p>
                       </a:txBody>
                       <a:tcPr marL="68580" marR="68580" marT="0" marB="0">
-                        <a:blipFill rotWithShape="1">
+                        <a:blipFill rotWithShape="0">
                           <a:blip r:embed="rId2"/>
                           <a:stretch>
-                            <a:fillRect l="-32709" t="-155882" r="-99" b="-200000"/>
+                            <a:fillRect l="-32776" t="-155882" r="-394" b="-202941"/>
                           </a:stretch>
                         </a:blipFill>
                       </a:tcPr>
@@ -26179,10 +26057,10 @@
                         </a:p>
                       </a:txBody>
                       <a:tcPr marL="68580" marR="68580" marT="0" marB="0">
-                        <a:blipFill rotWithShape="1">
+                        <a:blipFill rotWithShape="0">
                           <a:blip r:embed="rId2"/>
                           <a:stretch>
-                            <a:fillRect l="-32709" t="-255882" r="-99" b="-100000"/>
+                            <a:fillRect l="-32776" t="-253398" r="-394" b="-100971"/>
                           </a:stretch>
                         </a:blipFill>
                       </a:tcPr>
@@ -26206,12 +26084,12 @@
                             </a:spcAft>
                           </a:pPr>
                           <a:r>
-                            <a:rPr lang="en-US" sz="1600">
+                            <a:rPr lang="en-US" sz="1600" dirty="0">
                               <a:effectLst/>
                             </a:rPr>
                             <a:t>3</a:t>
                           </a:r>
-                          <a:endParaRPr lang="en-US" sz="2400">
+                          <a:endParaRPr lang="en-US" sz="2400" dirty="0">
                             <a:effectLst/>
                             <a:latin typeface="Calibri"/>
                             <a:ea typeface="Calibri"/>
@@ -26262,10 +26140,10 @@
                         </a:p>
                       </a:txBody>
                       <a:tcPr marL="68580" marR="68580" marT="0" marB="0">
-                        <a:blipFill rotWithShape="1">
+                        <a:blipFill rotWithShape="0">
                           <a:blip r:embed="rId2"/>
                           <a:stretch>
-                            <a:fillRect l="-32709" t="-355882" r="-99"/>
+                            <a:fillRect l="-32776" t="-356863" r="-394" b="-1961"/>
                           </a:stretch>
                         </a:blipFill>
                       </a:tcPr>
@@ -26349,8 +26227,8 @@
         </p:nvSpPr>
         <p:spPr>
           <a:xfrm>
-            <a:off x="348338" y="847679"/>
-            <a:ext cx="8509911" cy="5747330"/>
+            <a:off x="359769" y="1501948"/>
+            <a:ext cx="8509911" cy="2660149"/>
           </a:xfrm>
         </p:spPr>
         <p:txBody>
@@ -26552,7 +26430,7 @@
         </p:blipFill>
         <p:spPr bwMode="auto">
           <a:xfrm>
-            <a:off x="1495426" y="5065136"/>
+            <a:off x="1471778" y="4383885"/>
             <a:ext cx="6134068" cy="1553655"/>
           </a:xfrm>
           <a:prstGeom prst="rect">
@@ -26591,7 +26469,7 @@
         </p:nvGrpSpPr>
         <p:grpSpPr>
           <a:xfrm>
-            <a:off x="2626518" y="5930761"/>
+            <a:off x="2602870" y="5249510"/>
             <a:ext cx="728664" cy="918864"/>
             <a:chOff x="2626518" y="1504950"/>
             <a:chExt cx="728664" cy="918864"/>
@@ -26673,7 +26551,7 @@
         </p:nvGrpSpPr>
         <p:grpSpPr>
           <a:xfrm>
-            <a:off x="3407568" y="5930761"/>
+            <a:off x="3383920" y="5249510"/>
             <a:ext cx="728664" cy="918864"/>
             <a:chOff x="2626518" y="1504950"/>
             <a:chExt cx="728664" cy="918864"/>
@@ -26807,8 +26685,8 @@
           </a:p>
         </p:txBody>
       </p:sp>
-      <mc:AlternateContent xmlns:mc="http://schemas.openxmlformats.org/markup-compatibility/2006" xmlns:a14="http://schemas.microsoft.com/office/drawing/2010/main">
-        <mc:Choice Requires="a14">
+      <mc:AlternateContent xmlns:mc="http://schemas.openxmlformats.org/markup-compatibility/2006">
+        <mc:Choice xmlns:a14="http://schemas.microsoft.com/office/drawing/2010/main" Requires="a14">
           <p:sp>
             <p:nvSpPr>
               <p:cNvPr id="3" name="Content Placeholder 2"/>
@@ -26821,12 +26699,14 @@
             </p:nvSpPr>
             <p:spPr>
               <a:xfrm>
-                <a:off x="348338" y="847679"/>
-                <a:ext cx="8509911" cy="5747330"/>
+                <a:off x="359769" y="1541362"/>
+                <a:ext cx="8509911" cy="3148880"/>
               </a:xfrm>
             </p:spPr>
             <p:txBody>
-              <a:bodyPr/>
+              <a:bodyPr>
+                <a:normAutofit fontScale="85000" lnSpcReduction="10000"/>
+              </a:bodyPr>
               <a:lstStyle/>
               <a:p>
                 <a:pPr marL="0" indent="0">
@@ -27230,7 +27110,7 @@
             </p:txBody>
           </p:sp>
         </mc:Choice>
-        <mc:Fallback xmlns="">
+        <mc:Fallback>
           <p:sp>
             <p:nvSpPr>
               <p:cNvPr id="3" name="Content Placeholder 2"/>
@@ -27243,13 +27123,13 @@
             </p:nvSpPr>
             <p:spPr>
               <a:xfrm>
-                <a:off x="348338" y="847679"/>
-                <a:ext cx="8509911" cy="5747330"/>
+                <a:off x="359769" y="1541362"/>
+                <a:ext cx="8509911" cy="3148880"/>
               </a:xfrm>
-              <a:blipFill rotWithShape="1">
+              <a:blipFill rotWithShape="0">
                 <a:blip r:embed="rId2"/>
                 <a:stretch>
-                  <a:fillRect l="-1074" t="-530" r="-1003"/>
+                  <a:fillRect l="-716" t="-1550" r="-287"/>
                 </a:stretch>
               </a:blipFill>
             </p:spPr>
@@ -27289,7 +27169,7 @@
         </p:blipFill>
         <p:spPr bwMode="auto">
           <a:xfrm>
-            <a:off x="1495426" y="5065136"/>
+            <a:off x="1432364" y="4402985"/>
             <a:ext cx="6134068" cy="1553655"/>
           </a:xfrm>
           <a:prstGeom prst="rect">
@@ -27328,7 +27208,7 @@
         </p:nvGrpSpPr>
         <p:grpSpPr>
           <a:xfrm>
-            <a:off x="2626518" y="5930761"/>
+            <a:off x="2563456" y="5268610"/>
             <a:ext cx="728664" cy="918864"/>
             <a:chOff x="2626518" y="1504950"/>
             <a:chExt cx="728664" cy="918864"/>
@@ -27410,7 +27290,7 @@
         </p:nvGrpSpPr>
         <p:grpSpPr>
           <a:xfrm>
-            <a:off x="3407568" y="5930761"/>
+            <a:off x="3344506" y="5268610"/>
             <a:ext cx="728664" cy="918864"/>
             <a:chOff x="2626518" y="1504950"/>
             <a:chExt cx="728664" cy="918864"/>
@@ -27556,8 +27436,8 @@
         </p:nvSpPr>
         <p:spPr>
           <a:xfrm>
-            <a:off x="348338" y="847679"/>
-            <a:ext cx="8509911" cy="5747330"/>
+            <a:off x="359769" y="1509392"/>
+            <a:ext cx="8509911" cy="2187183"/>
           </a:xfrm>
         </p:spPr>
         <p:txBody>
@@ -27792,7 +27672,7 @@
         </p:blipFill>
         <p:spPr bwMode="auto">
           <a:xfrm>
-            <a:off x="1495426" y="5065136"/>
+            <a:off x="1424482" y="4095557"/>
             <a:ext cx="6134068" cy="1553655"/>
           </a:xfrm>
           <a:prstGeom prst="rect">
@@ -27831,7 +27711,7 @@
         </p:nvGrpSpPr>
         <p:grpSpPr>
           <a:xfrm>
-            <a:off x="2626518" y="5930761"/>
+            <a:off x="2555574" y="4961182"/>
             <a:ext cx="728664" cy="918864"/>
             <a:chOff x="2626518" y="1504950"/>
             <a:chExt cx="728664" cy="918864"/>
@@ -27913,7 +27793,7 @@
         </p:nvGrpSpPr>
         <p:grpSpPr>
           <a:xfrm>
-            <a:off x="3407568" y="5930761"/>
+            <a:off x="3336624" y="4961182"/>
             <a:ext cx="728664" cy="918864"/>
             <a:chOff x="2626518" y="1504950"/>
             <a:chExt cx="728664" cy="918864"/>
@@ -28047,8 +27927,8 @@
           </a:p>
         </p:txBody>
       </p:sp>
-      <mc:AlternateContent xmlns:mc="http://schemas.openxmlformats.org/markup-compatibility/2006" xmlns:a14="http://schemas.microsoft.com/office/drawing/2010/main">
-        <mc:Choice Requires="a14">
+      <mc:AlternateContent xmlns:mc="http://schemas.openxmlformats.org/markup-compatibility/2006">
+        <mc:Choice xmlns:a14="http://schemas.microsoft.com/office/drawing/2010/main" Requires="a14">
           <p:sp>
             <p:nvSpPr>
               <p:cNvPr id="3" name="Content Placeholder 2"/>
@@ -28061,12 +27941,14 @@
             </p:nvSpPr>
             <p:spPr>
               <a:xfrm>
-                <a:off x="348338" y="847679"/>
-                <a:ext cx="8509911" cy="5747330"/>
+                <a:off x="348338" y="1584433"/>
+                <a:ext cx="8509911" cy="4666595"/>
               </a:xfrm>
             </p:spPr>
             <p:txBody>
-              <a:bodyPr/>
+              <a:bodyPr>
+                <a:normAutofit lnSpcReduction="10000"/>
+              </a:bodyPr>
               <a:lstStyle/>
               <a:p>
                 <a:pPr marL="0" indent="0">
@@ -29058,7 +28940,7 @@
             </p:txBody>
           </p:sp>
         </mc:Choice>
-        <mc:Fallback xmlns="">
+        <mc:Fallback>
           <p:sp>
             <p:nvSpPr>
               <p:cNvPr id="3" name="Content Placeholder 2"/>
@@ -29071,13 +28953,13 @@
             </p:nvSpPr>
             <p:spPr>
               <a:xfrm>
-                <a:off x="348338" y="847679"/>
-                <a:ext cx="8509911" cy="5747330"/>
+                <a:off x="348338" y="1584433"/>
+                <a:ext cx="8509911" cy="4666595"/>
               </a:xfrm>
-              <a:blipFill rotWithShape="1">
+              <a:blipFill rotWithShape="0">
                 <a:blip r:embed="rId2"/>
                 <a:stretch>
-                  <a:fillRect l="-1074" t="-530" r="-2006"/>
+                  <a:fillRect l="-1074" t="-1569" r="-645"/>
                 </a:stretch>
               </a:blipFill>
             </p:spPr>
